--- a/Volunteer Me.pptx
+++ b/Volunteer Me.pptx
@@ -8,10 +8,14 @@
     <p:sldId id="256" r:id="rId2"/>
     <p:sldId id="257" r:id="rId3"/>
     <p:sldId id="258" r:id="rId4"/>
-    <p:sldId id="259" r:id="rId5"/>
-    <p:sldId id="260" r:id="rId6"/>
-    <p:sldId id="261" r:id="rId7"/>
-    <p:sldId id="262" r:id="rId8"/>
+    <p:sldId id="263" r:id="rId5"/>
+    <p:sldId id="264" r:id="rId6"/>
+    <p:sldId id="265" r:id="rId7"/>
+    <p:sldId id="266" r:id="rId8"/>
+    <p:sldId id="259" r:id="rId9"/>
+    <p:sldId id="260" r:id="rId10"/>
+    <p:sldId id="261" r:id="rId11"/>
+    <p:sldId id="262" r:id="rId12"/>
   </p:sldIdLst>
   <p:sldSz cx="12192000" cy="6858000"/>
   <p:notesSz cx="6858000" cy="9144000"/>
@@ -244,7 +248,8 @@
           <a:p>
             <a:fld id="{B4A8B31B-5AE9-4018-A31A-3B84A6A1669C}" type="datetimeFigureOut">
               <a:rPr lang="en-GB" smtClean="0"/>
-              <a:t>19/02/2015</a:t>
+              <a:pPr/>
+              <a:t>24/02/2015</a:t>
             </a:fld>
             <a:endParaRPr lang="en-GB"/>
           </a:p>
@@ -286,6 +291,7 @@
           <a:p>
             <a:fld id="{88E41A16-E4D3-4E88-98A9-E2AF6B84E646}" type="slidenum">
               <a:rPr lang="en-GB" smtClean="0"/>
+              <a:pPr/>
               <a:t>‹#›</a:t>
             </a:fld>
             <a:endParaRPr lang="en-GB"/>
@@ -295,7 +301,7 @@
     </p:spTree>
     <p:extLst>
       <p:ext uri="{BB962C8B-B14F-4D97-AF65-F5344CB8AC3E}">
-        <p14:creationId xmlns:p14="http://schemas.microsoft.com/office/powerpoint/2010/main" val="622448483"/>
+        <p14:creationId xmlns:p14="http://schemas.microsoft.com/office/powerpoint/2010/main" xmlns="" val="622448483"/>
       </p:ext>
     </p:extLst>
   </p:cSld>
@@ -414,7 +420,8 @@
           <a:p>
             <a:fld id="{B4A8B31B-5AE9-4018-A31A-3B84A6A1669C}" type="datetimeFigureOut">
               <a:rPr lang="en-GB" smtClean="0"/>
-              <a:t>19/02/2015</a:t>
+              <a:pPr/>
+              <a:t>24/02/2015</a:t>
             </a:fld>
             <a:endParaRPr lang="en-GB"/>
           </a:p>
@@ -456,6 +463,7 @@
           <a:p>
             <a:fld id="{88E41A16-E4D3-4E88-98A9-E2AF6B84E646}" type="slidenum">
               <a:rPr lang="en-GB" smtClean="0"/>
+              <a:pPr/>
               <a:t>‹#›</a:t>
             </a:fld>
             <a:endParaRPr lang="en-GB"/>
@@ -465,7 +473,7 @@
     </p:spTree>
     <p:extLst>
       <p:ext uri="{BB962C8B-B14F-4D97-AF65-F5344CB8AC3E}">
-        <p14:creationId xmlns:p14="http://schemas.microsoft.com/office/powerpoint/2010/main" val="1323196966"/>
+        <p14:creationId xmlns:p14="http://schemas.microsoft.com/office/powerpoint/2010/main" xmlns="" val="1323196966"/>
       </p:ext>
     </p:extLst>
   </p:cSld>
@@ -594,7 +602,8 @@
           <a:p>
             <a:fld id="{B4A8B31B-5AE9-4018-A31A-3B84A6A1669C}" type="datetimeFigureOut">
               <a:rPr lang="en-GB" smtClean="0"/>
-              <a:t>19/02/2015</a:t>
+              <a:pPr/>
+              <a:t>24/02/2015</a:t>
             </a:fld>
             <a:endParaRPr lang="en-GB"/>
           </a:p>
@@ -636,6 +645,7 @@
           <a:p>
             <a:fld id="{88E41A16-E4D3-4E88-98A9-E2AF6B84E646}" type="slidenum">
               <a:rPr lang="en-GB" smtClean="0"/>
+              <a:pPr/>
               <a:t>‹#›</a:t>
             </a:fld>
             <a:endParaRPr lang="en-GB"/>
@@ -645,7 +655,7 @@
     </p:spTree>
     <p:extLst>
       <p:ext uri="{BB962C8B-B14F-4D97-AF65-F5344CB8AC3E}">
-        <p14:creationId xmlns:p14="http://schemas.microsoft.com/office/powerpoint/2010/main" val="836610292"/>
+        <p14:creationId xmlns:p14="http://schemas.microsoft.com/office/powerpoint/2010/main" xmlns="" val="836610292"/>
       </p:ext>
     </p:extLst>
   </p:cSld>
@@ -764,7 +774,8 @@
           <a:p>
             <a:fld id="{B4A8B31B-5AE9-4018-A31A-3B84A6A1669C}" type="datetimeFigureOut">
               <a:rPr lang="en-GB" smtClean="0"/>
-              <a:t>19/02/2015</a:t>
+              <a:pPr/>
+              <a:t>24/02/2015</a:t>
             </a:fld>
             <a:endParaRPr lang="en-GB"/>
           </a:p>
@@ -806,6 +817,7 @@
           <a:p>
             <a:fld id="{88E41A16-E4D3-4E88-98A9-E2AF6B84E646}" type="slidenum">
               <a:rPr lang="en-GB" smtClean="0"/>
+              <a:pPr/>
               <a:t>‹#›</a:t>
             </a:fld>
             <a:endParaRPr lang="en-GB"/>
@@ -815,7 +827,7 @@
     </p:spTree>
     <p:extLst>
       <p:ext uri="{BB962C8B-B14F-4D97-AF65-F5344CB8AC3E}">
-        <p14:creationId xmlns:p14="http://schemas.microsoft.com/office/powerpoint/2010/main" val="1750957170"/>
+        <p14:creationId xmlns:p14="http://schemas.microsoft.com/office/powerpoint/2010/main" xmlns="" val="1750957170"/>
       </p:ext>
     </p:extLst>
   </p:cSld>
@@ -1010,7 +1022,8 @@
           <a:p>
             <a:fld id="{B4A8B31B-5AE9-4018-A31A-3B84A6A1669C}" type="datetimeFigureOut">
               <a:rPr lang="en-GB" smtClean="0"/>
-              <a:t>19/02/2015</a:t>
+              <a:pPr/>
+              <a:t>24/02/2015</a:t>
             </a:fld>
             <a:endParaRPr lang="en-GB"/>
           </a:p>
@@ -1052,6 +1065,7 @@
           <a:p>
             <a:fld id="{88E41A16-E4D3-4E88-98A9-E2AF6B84E646}" type="slidenum">
               <a:rPr lang="en-GB" smtClean="0"/>
+              <a:pPr/>
               <a:t>‹#›</a:t>
             </a:fld>
             <a:endParaRPr lang="en-GB"/>
@@ -1061,7 +1075,7 @@
     </p:spTree>
     <p:extLst>
       <p:ext uri="{BB962C8B-B14F-4D97-AF65-F5344CB8AC3E}">
-        <p14:creationId xmlns:p14="http://schemas.microsoft.com/office/powerpoint/2010/main" val="2378764865"/>
+        <p14:creationId xmlns:p14="http://schemas.microsoft.com/office/powerpoint/2010/main" xmlns="" val="2378764865"/>
       </p:ext>
     </p:extLst>
   </p:cSld>
@@ -1242,7 +1256,8 @@
           <a:p>
             <a:fld id="{B4A8B31B-5AE9-4018-A31A-3B84A6A1669C}" type="datetimeFigureOut">
               <a:rPr lang="en-GB" smtClean="0"/>
-              <a:t>19/02/2015</a:t>
+              <a:pPr/>
+              <a:t>24/02/2015</a:t>
             </a:fld>
             <a:endParaRPr lang="en-GB"/>
           </a:p>
@@ -1284,6 +1299,7 @@
           <a:p>
             <a:fld id="{88E41A16-E4D3-4E88-98A9-E2AF6B84E646}" type="slidenum">
               <a:rPr lang="en-GB" smtClean="0"/>
+              <a:pPr/>
               <a:t>‹#›</a:t>
             </a:fld>
             <a:endParaRPr lang="en-GB"/>
@@ -1293,7 +1309,7 @@
     </p:spTree>
     <p:extLst>
       <p:ext uri="{BB962C8B-B14F-4D97-AF65-F5344CB8AC3E}">
-        <p14:creationId xmlns:p14="http://schemas.microsoft.com/office/powerpoint/2010/main" val="4060584338"/>
+        <p14:creationId xmlns:p14="http://schemas.microsoft.com/office/powerpoint/2010/main" xmlns="" val="4060584338"/>
       </p:ext>
     </p:extLst>
   </p:cSld>
@@ -1609,7 +1625,8 @@
           <a:p>
             <a:fld id="{B4A8B31B-5AE9-4018-A31A-3B84A6A1669C}" type="datetimeFigureOut">
               <a:rPr lang="en-GB" smtClean="0"/>
-              <a:t>19/02/2015</a:t>
+              <a:pPr/>
+              <a:t>24/02/2015</a:t>
             </a:fld>
             <a:endParaRPr lang="en-GB"/>
           </a:p>
@@ -1651,6 +1668,7 @@
           <a:p>
             <a:fld id="{88E41A16-E4D3-4E88-98A9-E2AF6B84E646}" type="slidenum">
               <a:rPr lang="en-GB" smtClean="0"/>
+              <a:pPr/>
               <a:t>‹#›</a:t>
             </a:fld>
             <a:endParaRPr lang="en-GB"/>
@@ -1660,7 +1678,7 @@
     </p:spTree>
     <p:extLst>
       <p:ext uri="{BB962C8B-B14F-4D97-AF65-F5344CB8AC3E}">
-        <p14:creationId xmlns:p14="http://schemas.microsoft.com/office/powerpoint/2010/main" val="356460507"/>
+        <p14:creationId xmlns:p14="http://schemas.microsoft.com/office/powerpoint/2010/main" xmlns="" val="356460507"/>
       </p:ext>
     </p:extLst>
   </p:cSld>
@@ -1727,7 +1745,8 @@
           <a:p>
             <a:fld id="{B4A8B31B-5AE9-4018-A31A-3B84A6A1669C}" type="datetimeFigureOut">
               <a:rPr lang="en-GB" smtClean="0"/>
-              <a:t>19/02/2015</a:t>
+              <a:pPr/>
+              <a:t>24/02/2015</a:t>
             </a:fld>
             <a:endParaRPr lang="en-GB"/>
           </a:p>
@@ -1769,6 +1788,7 @@
           <a:p>
             <a:fld id="{88E41A16-E4D3-4E88-98A9-E2AF6B84E646}" type="slidenum">
               <a:rPr lang="en-GB" smtClean="0"/>
+              <a:pPr/>
               <a:t>‹#›</a:t>
             </a:fld>
             <a:endParaRPr lang="en-GB"/>
@@ -1778,7 +1798,7 @@
     </p:spTree>
     <p:extLst>
       <p:ext uri="{BB962C8B-B14F-4D97-AF65-F5344CB8AC3E}">
-        <p14:creationId xmlns:p14="http://schemas.microsoft.com/office/powerpoint/2010/main" val="4234693313"/>
+        <p14:creationId xmlns:p14="http://schemas.microsoft.com/office/powerpoint/2010/main" xmlns="" val="4234693313"/>
       </p:ext>
     </p:extLst>
   </p:cSld>
@@ -1822,7 +1842,8 @@
           <a:p>
             <a:fld id="{B4A8B31B-5AE9-4018-A31A-3B84A6A1669C}" type="datetimeFigureOut">
               <a:rPr lang="en-GB" smtClean="0"/>
-              <a:t>19/02/2015</a:t>
+              <a:pPr/>
+              <a:t>24/02/2015</a:t>
             </a:fld>
             <a:endParaRPr lang="en-GB"/>
           </a:p>
@@ -1864,6 +1885,7 @@
           <a:p>
             <a:fld id="{88E41A16-E4D3-4E88-98A9-E2AF6B84E646}" type="slidenum">
               <a:rPr lang="en-GB" smtClean="0"/>
+              <a:pPr/>
               <a:t>‹#›</a:t>
             </a:fld>
             <a:endParaRPr lang="en-GB"/>
@@ -1873,7 +1895,7 @@
     </p:spTree>
     <p:extLst>
       <p:ext uri="{BB962C8B-B14F-4D97-AF65-F5344CB8AC3E}">
-        <p14:creationId xmlns:p14="http://schemas.microsoft.com/office/powerpoint/2010/main" val="1048130900"/>
+        <p14:creationId xmlns:p14="http://schemas.microsoft.com/office/powerpoint/2010/main" xmlns="" val="1048130900"/>
       </p:ext>
     </p:extLst>
   </p:cSld>
@@ -2099,7 +2121,8 @@
           <a:p>
             <a:fld id="{B4A8B31B-5AE9-4018-A31A-3B84A6A1669C}" type="datetimeFigureOut">
               <a:rPr lang="en-GB" smtClean="0"/>
-              <a:t>19/02/2015</a:t>
+              <a:pPr/>
+              <a:t>24/02/2015</a:t>
             </a:fld>
             <a:endParaRPr lang="en-GB"/>
           </a:p>
@@ -2141,6 +2164,7 @@
           <a:p>
             <a:fld id="{88E41A16-E4D3-4E88-98A9-E2AF6B84E646}" type="slidenum">
               <a:rPr lang="en-GB" smtClean="0"/>
+              <a:pPr/>
               <a:t>‹#›</a:t>
             </a:fld>
             <a:endParaRPr lang="en-GB"/>
@@ -2150,7 +2174,7 @@
     </p:spTree>
     <p:extLst>
       <p:ext uri="{BB962C8B-B14F-4D97-AF65-F5344CB8AC3E}">
-        <p14:creationId xmlns:p14="http://schemas.microsoft.com/office/powerpoint/2010/main" val="755880750"/>
+        <p14:creationId xmlns:p14="http://schemas.microsoft.com/office/powerpoint/2010/main" xmlns="" val="755880750"/>
       </p:ext>
     </p:extLst>
   </p:cSld>
@@ -2352,7 +2376,8 @@
           <a:p>
             <a:fld id="{B4A8B31B-5AE9-4018-A31A-3B84A6A1669C}" type="datetimeFigureOut">
               <a:rPr lang="en-GB" smtClean="0"/>
-              <a:t>19/02/2015</a:t>
+              <a:pPr/>
+              <a:t>24/02/2015</a:t>
             </a:fld>
             <a:endParaRPr lang="en-GB"/>
           </a:p>
@@ -2394,6 +2419,7 @@
           <a:p>
             <a:fld id="{88E41A16-E4D3-4E88-98A9-E2AF6B84E646}" type="slidenum">
               <a:rPr lang="en-GB" smtClean="0"/>
+              <a:pPr/>
               <a:t>‹#›</a:t>
             </a:fld>
             <a:endParaRPr lang="en-GB"/>
@@ -2403,7 +2429,7 @@
     </p:spTree>
     <p:extLst>
       <p:ext uri="{BB962C8B-B14F-4D97-AF65-F5344CB8AC3E}">
-        <p14:creationId xmlns:p14="http://schemas.microsoft.com/office/powerpoint/2010/main" val="1418274539"/>
+        <p14:creationId xmlns:p14="http://schemas.microsoft.com/office/powerpoint/2010/main" xmlns="" val="1418274539"/>
       </p:ext>
     </p:extLst>
   </p:cSld>
@@ -2565,7 +2591,8 @@
           <a:p>
             <a:fld id="{B4A8B31B-5AE9-4018-A31A-3B84A6A1669C}" type="datetimeFigureOut">
               <a:rPr lang="en-GB" smtClean="0"/>
-              <a:t>19/02/2015</a:t>
+              <a:pPr/>
+              <a:t>24/02/2015</a:t>
             </a:fld>
             <a:endParaRPr lang="en-GB"/>
           </a:p>
@@ -2643,6 +2670,7 @@
           <a:p>
             <a:fld id="{88E41A16-E4D3-4E88-98A9-E2AF6B84E646}" type="slidenum">
               <a:rPr lang="en-GB" smtClean="0"/>
+              <a:pPr/>
               <a:t>‹#›</a:t>
             </a:fld>
             <a:endParaRPr lang="en-GB"/>
@@ -2652,7 +2680,7 @@
     </p:spTree>
     <p:extLst>
       <p:ext uri="{BB962C8B-B14F-4D97-AF65-F5344CB8AC3E}">
-        <p14:creationId xmlns:p14="http://schemas.microsoft.com/office/powerpoint/2010/main" val="2079730830"/>
+        <p14:creationId xmlns:p14="http://schemas.microsoft.com/office/powerpoint/2010/main" xmlns="" val="2079730830"/>
       </p:ext>
     </p:extLst>
   </p:cSld>
@@ -3031,7 +3059,179 @@
     </p:spTree>
     <p:extLst>
       <p:ext uri="{BB962C8B-B14F-4D97-AF65-F5344CB8AC3E}">
-        <p14:creationId xmlns:p14="http://schemas.microsoft.com/office/powerpoint/2010/main" val="3699772286"/>
+        <p14:creationId xmlns:p14="http://schemas.microsoft.com/office/powerpoint/2010/main" xmlns="" val="3699772286"/>
+      </p:ext>
+    </p:extLst>
+  </p:cSld>
+  <p:clrMapOvr>
+    <a:masterClrMapping/>
+  </p:clrMapOvr>
+</p:sld>
+</file>
+
+<file path=ppt/slides/slide10.xml><?xml version="1.0" encoding="utf-8"?>
+<p:sld xmlns:a="http://schemas.openxmlformats.org/drawingml/2006/main" xmlns:r="http://schemas.openxmlformats.org/officeDocument/2006/relationships" xmlns:p="http://schemas.openxmlformats.org/presentationml/2006/main">
+  <p:cSld>
+    <p:spTree>
+      <p:nvGrpSpPr>
+        <p:cNvPr id="1" name=""/>
+        <p:cNvGrpSpPr/>
+        <p:nvPr/>
+      </p:nvGrpSpPr>
+      <p:grpSpPr>
+        <a:xfrm>
+          <a:off x="0" y="0"/>
+          <a:ext cx="0" cy="0"/>
+          <a:chOff x="0" y="0"/>
+          <a:chExt cx="0" cy="0"/>
+        </a:xfrm>
+      </p:grpSpPr>
+      <p:sp>
+        <p:nvSpPr>
+          <p:cNvPr id="3" name="Content Placeholder 2"/>
+          <p:cNvSpPr>
+            <a:spLocks noGrp="1"/>
+          </p:cNvSpPr>
+          <p:nvPr>
+            <p:ph idx="1"/>
+          </p:nvPr>
+        </p:nvSpPr>
+        <p:spPr/>
+        <p:txBody>
+          <a:bodyPr/>
+          <a:lstStyle/>
+          <a:p>
+            <a:pPr marL="0" indent="0">
+              <a:buNone/>
+            </a:pPr>
+            <a:r>
+              <a:rPr lang="en-US" dirty="0" smtClean="0"/>
+              <a:t>Would like to be able to</a:t>
+            </a:r>
+          </a:p>
+          <a:p>
+            <a:pPr marL="0" indent="0">
+              <a:buNone/>
+            </a:pPr>
+            <a:r>
+              <a:rPr lang="en-US" dirty="0" smtClean="0"/>
+              <a:t>•	</a:t>
+            </a:r>
+            <a:r>
+              <a:rPr lang="en-US" dirty="0" err="1" smtClean="0"/>
+              <a:t>Organisers</a:t>
+            </a:r>
+            <a:r>
+              <a:rPr lang="en-US" dirty="0" smtClean="0"/>
+              <a:t> can see how their opportunity is being seen by 	volunteers</a:t>
+            </a:r>
+          </a:p>
+          <a:p>
+            <a:pPr marL="0" indent="0">
+              <a:buNone/>
+            </a:pPr>
+            <a:r>
+              <a:rPr lang="en-US" dirty="0" smtClean="0"/>
+              <a:t>•	Map separated by county then smaller regions</a:t>
+            </a:r>
+          </a:p>
+          <a:p>
+            <a:pPr marL="0" indent="0">
+              <a:buNone/>
+            </a:pPr>
+            <a:r>
+              <a:rPr lang="en-US" dirty="0" smtClean="0"/>
+              <a:t>•	Mass contact tools for </a:t>
+            </a:r>
+            <a:r>
+              <a:rPr lang="en-US" dirty="0" err="1" smtClean="0"/>
+              <a:t>organisers</a:t>
+            </a:r>
+            <a:r>
+              <a:rPr lang="en-US" dirty="0" smtClean="0"/>
+              <a:t> </a:t>
+            </a:r>
+          </a:p>
+          <a:p>
+            <a:pPr marL="0" indent="0">
+              <a:buNone/>
+            </a:pPr>
+            <a:endParaRPr lang="en-GB" dirty="0"/>
+          </a:p>
+        </p:txBody>
+      </p:sp>
+    </p:spTree>
+    <p:extLst>
+      <p:ext uri="{BB962C8B-B14F-4D97-AF65-F5344CB8AC3E}">
+        <p14:creationId xmlns:p14="http://schemas.microsoft.com/office/powerpoint/2010/main" xmlns="" val="2241430637"/>
+      </p:ext>
+    </p:extLst>
+  </p:cSld>
+  <p:clrMapOvr>
+    <a:masterClrMapping/>
+  </p:clrMapOvr>
+</p:sld>
+</file>
+
+<file path=ppt/slides/slide11.xml><?xml version="1.0" encoding="utf-8"?>
+<p:sld xmlns:a="http://schemas.openxmlformats.org/drawingml/2006/main" xmlns:r="http://schemas.openxmlformats.org/officeDocument/2006/relationships" xmlns:p="http://schemas.openxmlformats.org/presentationml/2006/main">
+  <p:cSld>
+    <p:spTree>
+      <p:nvGrpSpPr>
+        <p:cNvPr id="1" name=""/>
+        <p:cNvGrpSpPr/>
+        <p:nvPr/>
+      </p:nvGrpSpPr>
+      <p:grpSpPr>
+        <a:xfrm>
+          <a:off x="0" y="0"/>
+          <a:ext cx="0" cy="0"/>
+          <a:chOff x="0" y="0"/>
+          <a:chExt cx="0" cy="0"/>
+        </a:xfrm>
+      </p:grpSpPr>
+      <p:sp>
+        <p:nvSpPr>
+          <p:cNvPr id="2" name="Title 1"/>
+          <p:cNvSpPr>
+            <a:spLocks noGrp="1"/>
+          </p:cNvSpPr>
+          <p:nvPr>
+            <p:ph type="title"/>
+          </p:nvPr>
+        </p:nvSpPr>
+        <p:spPr/>
+        <p:txBody>
+          <a:bodyPr/>
+          <a:lstStyle/>
+          <a:p>
+            <a:endParaRPr lang="en-GB"/>
+          </a:p>
+        </p:txBody>
+      </p:sp>
+      <p:sp>
+        <p:nvSpPr>
+          <p:cNvPr id="3" name="Content Placeholder 2"/>
+          <p:cNvSpPr>
+            <a:spLocks noGrp="1"/>
+          </p:cNvSpPr>
+          <p:nvPr>
+            <p:ph idx="1"/>
+          </p:nvPr>
+        </p:nvSpPr>
+        <p:spPr/>
+        <p:txBody>
+          <a:bodyPr/>
+          <a:lstStyle/>
+          <a:p>
+            <a:endParaRPr lang="en-GB"/>
+          </a:p>
+        </p:txBody>
+      </p:sp>
+    </p:spTree>
+    <p:extLst>
+      <p:ext uri="{BB962C8B-B14F-4D97-AF65-F5344CB8AC3E}">
+        <p14:creationId xmlns:p14="http://schemas.microsoft.com/office/powerpoint/2010/main" xmlns="" val="2248986001"/>
       </p:ext>
     </p:extLst>
   </p:cSld>
@@ -3342,7 +3542,7 @@
     </p:spTree>
     <p:extLst>
       <p:ext uri="{BB962C8B-B14F-4D97-AF65-F5344CB8AC3E}">
-        <p14:creationId xmlns:p14="http://schemas.microsoft.com/office/powerpoint/2010/main" val="2547993932"/>
+        <p14:creationId xmlns:p14="http://schemas.microsoft.com/office/powerpoint/2010/main" xmlns="" val="2547993932"/>
       </p:ext>
     </p:extLst>
   </p:cSld>
@@ -3479,6 +3679,10 @@
               <a:rPr lang="en-GB" dirty="0"/>
               <a:t>– </a:t>
             </a:r>
+            <a:r>
+              <a:rPr lang="en-GB" dirty="0" smtClean="0"/>
+              <a:t>basic tasks.</a:t>
+            </a:r>
             <a:endParaRPr lang="en-GB" dirty="0" smtClean="0"/>
           </a:p>
           <a:p>
@@ -3655,10 +3859,36 @@
           </a:p>
         </p:txBody>
       </p:sp>
+      <p:pic>
+        <p:nvPicPr>
+          <p:cNvPr id="3074" name="Picture 2" descr="C:\Users\2084246S\Documents\gri_logo.jpg"/>
+          <p:cNvPicPr>
+            <a:picLocks noChangeAspect="1" noChangeArrowheads="1"/>
+          </p:cNvPicPr>
+          <p:nvPr/>
+        </p:nvPicPr>
+        <p:blipFill>
+          <a:blip r:embed="rId2" cstate="print"/>
+          <a:srcRect/>
+          <a:stretch>
+            <a:fillRect/>
+          </a:stretch>
+        </p:blipFill>
+        <p:spPr bwMode="auto">
+          <a:xfrm>
+            <a:off x="977984" y="346419"/>
+            <a:ext cx="4574318" cy="2726294"/>
+          </a:xfrm>
+          <a:prstGeom prst="rect">
+            <a:avLst/>
+          </a:prstGeom>
+          <a:noFill/>
+        </p:spPr>
+      </p:pic>
     </p:spTree>
     <p:extLst>
       <p:ext uri="{BB962C8B-B14F-4D97-AF65-F5344CB8AC3E}">
-        <p14:creationId xmlns:p14="http://schemas.microsoft.com/office/powerpoint/2010/main" val="62962622"/>
+        <p14:creationId xmlns:p14="http://schemas.microsoft.com/office/powerpoint/2010/main" xmlns="" val="62962622"/>
       </p:ext>
     </p:extLst>
   </p:cSld>
@@ -3685,105 +3915,68 @@
           <a:chExt cx="0" cy="0"/>
         </a:xfrm>
       </p:grpSpPr>
-      <p:sp>
-        <p:nvSpPr>
-          <p:cNvPr id="3" name="Content Placeholder 2"/>
-          <p:cNvSpPr>
-            <a:spLocks noGrp="1"/>
-          </p:cNvSpPr>
-          <p:nvPr>
-            <p:ph idx="1"/>
-          </p:nvPr>
-        </p:nvSpPr>
+      <p:pic>
+        <p:nvPicPr>
+          <p:cNvPr id="1026" name="Picture 2" descr="H:\Workspace\code\VolunteerMe\Wireframes\Main Page wireframe.png"/>
+          <p:cNvPicPr>
+            <a:picLocks noChangeAspect="1" noChangeArrowheads="1"/>
+          </p:cNvPicPr>
+          <p:nvPr/>
+        </p:nvPicPr>
+        <p:blipFill>
+          <a:blip r:embed="rId2" cstate="print">
+            <a:clrChange>
+              <a:clrFrom>
+                <a:srgbClr val="FFFFFF"/>
+              </a:clrFrom>
+              <a:clrTo>
+                <a:srgbClr val="FFFFFF">
+                  <a:alpha val="0"/>
+                </a:srgbClr>
+              </a:clrTo>
+            </a:clrChange>
+          </a:blip>
+          <a:srcRect/>
+          <a:stretch>
+            <a:fillRect/>
+          </a:stretch>
+        </p:blipFill>
+        <p:spPr bwMode="auto">
+          <a:xfrm>
+            <a:off x="387179" y="148282"/>
+            <a:ext cx="4654378" cy="6167925"/>
+          </a:xfrm>
+          <a:prstGeom prst="rect">
+            <a:avLst/>
+          </a:prstGeom>
+          <a:noFill/>
+        </p:spPr>
+      </p:pic>
+      <p:pic>
+        <p:nvPicPr>
+          <p:cNvPr id="6" name="Picture 5" descr="User Profile page.png"/>
+          <p:cNvPicPr>
+            <a:picLocks noChangeAspect="1"/>
+          </p:cNvPicPr>
+          <p:nvPr/>
+        </p:nvPicPr>
+        <p:blipFill>
+          <a:blip r:embed="rId3" cstate="print"/>
+          <a:stretch>
+            <a:fillRect/>
+          </a:stretch>
+        </p:blipFill>
         <p:spPr>
           <a:xfrm>
-            <a:off x="838200" y="616688"/>
-            <a:ext cx="10515600" cy="5560275"/>
+            <a:off x="6104343" y="650789"/>
+            <a:ext cx="5678631" cy="4337222"/>
           </a:xfrm>
+          <a:prstGeom prst="rect">
+            <a:avLst/>
+          </a:prstGeom>
         </p:spPr>
-        <p:txBody>
-          <a:bodyPr>
-            <a:normAutofit/>
-          </a:bodyPr>
-          <a:lstStyle/>
-          <a:p>
-            <a:r>
-              <a:rPr lang="en-GB" sz="3200" dirty="0" smtClean="0"/>
-              <a:t>Must be able to</a:t>
-            </a:r>
-          </a:p>
-          <a:p>
-            <a:pPr lvl="1"/>
-            <a:r>
-              <a:rPr lang="en-GB" sz="3200" dirty="0" smtClean="0"/>
-              <a:t>Volunteers</a:t>
-            </a:r>
-          </a:p>
-          <a:p>
-            <a:pPr lvl="2"/>
-            <a:r>
-              <a:rPr lang="en-GB" sz="3200" dirty="0" smtClean="0"/>
-              <a:t>Search for opportunities</a:t>
-            </a:r>
-          </a:p>
-          <a:p>
-            <a:pPr lvl="2"/>
-            <a:r>
-              <a:rPr lang="en-GB" sz="3200" dirty="0" smtClean="0"/>
-              <a:t>Volunteer for opportunities</a:t>
-            </a:r>
-          </a:p>
-          <a:p>
-            <a:pPr lvl="2"/>
-            <a:r>
-              <a:rPr lang="en-GB" sz="3200" dirty="0" smtClean="0"/>
-              <a:t>Edit/create personal details</a:t>
-            </a:r>
-          </a:p>
-          <a:p>
-            <a:pPr lvl="1"/>
-            <a:r>
-              <a:rPr lang="en-GB" sz="3200" dirty="0" smtClean="0"/>
-              <a:t>Organisers</a:t>
-            </a:r>
-          </a:p>
-          <a:p>
-            <a:pPr lvl="2"/>
-            <a:r>
-              <a:rPr lang="en-GB" sz="3200" dirty="0" smtClean="0"/>
-              <a:t>Post/edit opportunities</a:t>
-            </a:r>
-          </a:p>
-          <a:p>
-            <a:pPr lvl="2"/>
-            <a:r>
-              <a:rPr lang="en-GB" sz="3200" dirty="0" smtClean="0"/>
-              <a:t>Delete opportunities</a:t>
-            </a:r>
-          </a:p>
-          <a:p>
-            <a:pPr lvl="2"/>
-            <a:r>
-              <a:rPr lang="en-GB" sz="3200" dirty="0" smtClean="0"/>
-              <a:t>Create/maintain profile</a:t>
-            </a:r>
-          </a:p>
-          <a:p>
-            <a:pPr lvl="2"/>
-            <a:r>
-              <a:rPr lang="en-GB" sz="3200" dirty="0" smtClean="0"/>
-              <a:t>View reply’s</a:t>
-            </a:r>
-            <a:endParaRPr lang="en-GB" sz="3200" dirty="0"/>
-          </a:p>
-        </p:txBody>
-      </p:sp>
+      </p:pic>
     </p:spTree>
-    <p:extLst>
-      <p:ext uri="{BB962C8B-B14F-4D97-AF65-F5344CB8AC3E}">
-        <p14:creationId xmlns:p14="http://schemas.microsoft.com/office/powerpoint/2010/main" val="1163820659"/>
-      </p:ext>
-    </p:extLst>
   </p:cSld>
   <p:clrMapOvr>
     <a:masterClrMapping/>
@@ -3808,95 +4001,33 @@
           <a:chExt cx="0" cy="0"/>
         </a:xfrm>
       </p:grpSpPr>
-      <p:sp>
-        <p:nvSpPr>
-          <p:cNvPr id="3" name="Content Placeholder 2"/>
-          <p:cNvSpPr>
-            <a:spLocks noGrp="1"/>
-          </p:cNvSpPr>
-          <p:nvPr>
-            <p:ph idx="1"/>
-          </p:nvPr>
-        </p:nvSpPr>
-        <p:spPr>
+      <p:pic>
+        <p:nvPicPr>
+          <p:cNvPr id="2050" name="Picture 2" descr="H:\Workspace\code\VolunteerMe\Wireframes\Search Wireframe.png"/>
+          <p:cNvPicPr>
+            <a:picLocks noChangeAspect="1" noChangeArrowheads="1"/>
+          </p:cNvPicPr>
+          <p:nvPr/>
+        </p:nvPicPr>
+        <p:blipFill>
+          <a:blip r:embed="rId2" cstate="print"/>
+          <a:srcRect/>
+          <a:stretch>
+            <a:fillRect/>
+          </a:stretch>
+        </p:blipFill>
+        <p:spPr bwMode="auto">
           <a:xfrm>
-            <a:off x="838200" y="637953"/>
-            <a:ext cx="10515600" cy="5539010"/>
+            <a:off x="570451" y="337751"/>
+            <a:ext cx="7267575" cy="5859288"/>
           </a:xfrm>
+          <a:prstGeom prst="rect">
+            <a:avLst/>
+          </a:prstGeom>
+          <a:noFill/>
         </p:spPr>
-        <p:txBody>
-          <a:bodyPr>
-            <a:normAutofit/>
-          </a:bodyPr>
-          <a:lstStyle/>
-          <a:p>
-            <a:pPr marL="0" indent="0">
-              <a:buNone/>
-            </a:pPr>
-            <a:r>
-              <a:rPr lang="en-GB" sz="3200" dirty="0"/>
-              <a:t>Should be able to</a:t>
-            </a:r>
-          </a:p>
-          <a:p>
-            <a:pPr lvl="1"/>
-            <a:r>
-              <a:rPr lang="en-GB" sz="3200" dirty="0"/>
-              <a:t>Volunteers</a:t>
-            </a:r>
-          </a:p>
-          <a:p>
-            <a:pPr lvl="2"/>
-            <a:r>
-              <a:rPr lang="en-GB" sz="3200" dirty="0"/>
-              <a:t>Save searches</a:t>
-            </a:r>
-          </a:p>
-          <a:p>
-            <a:pPr lvl="2"/>
-            <a:r>
-              <a:rPr lang="en-GB" sz="3200" dirty="0"/>
-              <a:t>Post </a:t>
-            </a:r>
-            <a:r>
-              <a:rPr lang="en-GB" sz="3200" dirty="0" err="1"/>
-              <a:t>cv’s</a:t>
-            </a:r>
-            <a:endParaRPr lang="en-GB" sz="3200" dirty="0"/>
-          </a:p>
-          <a:p>
-            <a:pPr lvl="1"/>
-            <a:r>
-              <a:rPr lang="en-GB" sz="3200" dirty="0"/>
-              <a:t>Organisers</a:t>
-            </a:r>
-          </a:p>
-          <a:p>
-            <a:pPr lvl="2"/>
-            <a:r>
-              <a:rPr lang="en-GB" sz="3200" dirty="0"/>
-              <a:t>Edit/create details for accounts</a:t>
-            </a:r>
-          </a:p>
-          <a:p>
-            <a:pPr lvl="2"/>
-            <a:r>
-              <a:rPr lang="en-GB" sz="3200" dirty="0" smtClean="0"/>
-              <a:t>Renewing </a:t>
-            </a:r>
-            <a:r>
-              <a:rPr lang="en-GB" sz="3200" dirty="0"/>
-              <a:t>old opportunities</a:t>
-            </a:r>
-          </a:p>
-        </p:txBody>
-      </p:sp>
+      </p:pic>
     </p:spTree>
-    <p:extLst>
-      <p:ext uri="{BB962C8B-B14F-4D97-AF65-F5344CB8AC3E}">
-        <p14:creationId xmlns:p14="http://schemas.microsoft.com/office/powerpoint/2010/main" val="1901671833"/>
-      </p:ext>
-    </p:extLst>
   </p:cSld>
   <p:clrMapOvr>
     <a:masterClrMapping/>
@@ -3921,86 +4052,63 @@
           <a:chExt cx="0" cy="0"/>
         </a:xfrm>
       </p:grpSpPr>
-      <p:sp>
-        <p:nvSpPr>
-          <p:cNvPr id="3" name="Content Placeholder 2"/>
-          <p:cNvSpPr>
-            <a:spLocks noGrp="1"/>
-          </p:cNvSpPr>
-          <p:nvPr>
-            <p:ph idx="1"/>
-          </p:nvPr>
-        </p:nvSpPr>
-        <p:spPr/>
-        <p:txBody>
-          <a:bodyPr/>
-          <a:lstStyle/>
-          <a:p>
-            <a:pPr marL="0" indent="0">
-              <a:buNone/>
-            </a:pPr>
-            <a:r>
-              <a:rPr lang="en-US" dirty="0" smtClean="0"/>
-              <a:t>Would like to be able to</a:t>
-            </a:r>
-          </a:p>
-          <a:p>
-            <a:pPr marL="0" indent="0">
-              <a:buNone/>
-            </a:pPr>
-            <a:r>
-              <a:rPr lang="en-US" dirty="0" smtClean="0"/>
-              <a:t>•	</a:t>
-            </a:r>
-            <a:r>
-              <a:rPr lang="en-US" dirty="0" err="1" smtClean="0"/>
-              <a:t>Organisers</a:t>
-            </a:r>
-            <a:r>
-              <a:rPr lang="en-US" dirty="0" smtClean="0"/>
-              <a:t> can see how their opportunity is being seen by 	volunteers</a:t>
-            </a:r>
-          </a:p>
-          <a:p>
-            <a:pPr marL="0" indent="0">
-              <a:buNone/>
-            </a:pPr>
-            <a:r>
-              <a:rPr lang="en-US" dirty="0" smtClean="0"/>
-              <a:t>•	Map separated by county then smaller regions</a:t>
-            </a:r>
-          </a:p>
-          <a:p>
-            <a:pPr marL="0" indent="0">
-              <a:buNone/>
-            </a:pPr>
-            <a:r>
-              <a:rPr lang="en-US" dirty="0" smtClean="0"/>
-              <a:t>•	Mass contact tools for </a:t>
-            </a:r>
-            <a:r>
-              <a:rPr lang="en-US" dirty="0" err="1" smtClean="0"/>
-              <a:t>organisers</a:t>
-            </a:r>
-            <a:r>
-              <a:rPr lang="en-US" dirty="0" smtClean="0"/>
-              <a:t> </a:t>
-            </a:r>
-          </a:p>
-          <a:p>
-            <a:pPr marL="0" indent="0">
-              <a:buNone/>
-            </a:pPr>
+      <p:pic>
+        <p:nvPicPr>
+          <p:cNvPr id="4099" name="Picture 3" descr="H:\Workspace\code\VolunteerMe\SitemapERandUML\Site Map Draft.png"/>
+          <p:cNvPicPr>
+            <a:picLocks noChangeAspect="1" noChangeArrowheads="1"/>
+          </p:cNvPicPr>
+          <p:nvPr/>
+        </p:nvPicPr>
+        <p:blipFill>
+          <a:blip r:embed="rId2" cstate="print"/>
+          <a:srcRect/>
+          <a:stretch>
+            <a:fillRect/>
+          </a:stretch>
+        </p:blipFill>
+        <p:spPr bwMode="auto">
+          <a:xfrm>
+            <a:off x="1647120" y="1030688"/>
+            <a:ext cx="9802813" cy="5257801"/>
+          </a:xfrm>
+          <a:prstGeom prst="rect">
+            <a:avLst/>
+          </a:prstGeom>
+          <a:noFill/>
+        </p:spPr>
+      </p:pic>
+      <p:sp>
+        <p:nvSpPr>
+          <p:cNvPr id="6" name="TextBox 5"/>
+          <p:cNvSpPr txBox="1"/>
+          <p:nvPr/>
+        </p:nvSpPr>
+        <p:spPr>
+          <a:xfrm>
+            <a:off x="123568" y="214184"/>
+            <a:ext cx="2199502" cy="369332"/>
+          </a:xfrm>
+          <a:prstGeom prst="rect">
+            <a:avLst/>
+          </a:prstGeom>
+          <a:noFill/>
+        </p:spPr>
+        <p:txBody>
+          <a:bodyPr wrap="square" rtlCol="0">
+            <a:spAutoFit/>
+          </a:bodyPr>
+          <a:lstStyle/>
+          <a:p>
+            <a:r>
+              <a:rPr lang="en-GB" dirty="0" smtClean="0"/>
+              <a:t>Site Map:</a:t>
+            </a:r>
             <a:endParaRPr lang="en-GB" dirty="0"/>
           </a:p>
         </p:txBody>
       </p:sp>
     </p:spTree>
-    <p:extLst>
-      <p:ext uri="{BB962C8B-B14F-4D97-AF65-F5344CB8AC3E}">
-        <p14:creationId xmlns:p14="http://schemas.microsoft.com/office/powerpoint/2010/main" val="2241430637"/>
-      </p:ext>
-    </p:extLst>
   </p:cSld>
   <p:clrMapOvr>
     <a:masterClrMapping/>
@@ -4027,23 +4135,59 @@
       </p:grpSpPr>
       <p:sp>
         <p:nvSpPr>
-          <p:cNvPr id="2" name="Title 1"/>
-          <p:cNvSpPr>
-            <a:spLocks noGrp="1"/>
-          </p:cNvSpPr>
-          <p:nvPr>
-            <p:ph type="title"/>
-          </p:nvPr>
-        </p:nvSpPr>
-        <p:spPr/>
-        <p:txBody>
-          <a:bodyPr/>
-          <a:lstStyle/>
-          <a:p>
-            <a:endParaRPr lang="en-GB"/>
-          </a:p>
-        </p:txBody>
-      </p:sp>
+          <p:cNvPr id="5" name="TextBox 4"/>
+          <p:cNvSpPr txBox="1"/>
+          <p:nvPr/>
+        </p:nvSpPr>
+        <p:spPr>
+          <a:xfrm>
+            <a:off x="304800" y="230659"/>
+            <a:ext cx="1680519" cy="369332"/>
+          </a:xfrm>
+          <a:prstGeom prst="rect">
+            <a:avLst/>
+          </a:prstGeom>
+          <a:noFill/>
+        </p:spPr>
+        <p:txBody>
+          <a:bodyPr wrap="square" rtlCol="0">
+            <a:spAutoFit/>
+          </a:bodyPr>
+          <a:lstStyle/>
+          <a:p>
+            <a:r>
+              <a:rPr lang="en-GB" dirty="0" smtClean="0"/>
+              <a:t>ER diagram</a:t>
+            </a:r>
+            <a:endParaRPr lang="en-GB" dirty="0"/>
+          </a:p>
+        </p:txBody>
+      </p:sp>
+    </p:spTree>
+  </p:cSld>
+  <p:clrMapOvr>
+    <a:masterClrMapping/>
+  </p:clrMapOvr>
+</p:sld>
+</file>
+
+<file path=ppt/slides/slide8.xml><?xml version="1.0" encoding="utf-8"?>
+<p:sld xmlns:a="http://schemas.openxmlformats.org/drawingml/2006/main" xmlns:r="http://schemas.openxmlformats.org/officeDocument/2006/relationships" xmlns:p="http://schemas.openxmlformats.org/presentationml/2006/main">
+  <p:cSld>
+    <p:spTree>
+      <p:nvGrpSpPr>
+        <p:cNvPr id="1" name=""/>
+        <p:cNvGrpSpPr/>
+        <p:nvPr/>
+      </p:nvGrpSpPr>
+      <p:grpSpPr>
+        <a:xfrm>
+          <a:off x="0" y="0"/>
+          <a:ext cx="0" cy="0"/>
+          <a:chOff x="0" y="0"/>
+          <a:chExt cx="0" cy="0"/>
+        </a:xfrm>
+      </p:grpSpPr>
       <p:sp>
         <p:nvSpPr>
           <p:cNvPr id="3" name="Content Placeholder 2"/>
@@ -4054,19 +4198,239 @@
             <p:ph idx="1"/>
           </p:nvPr>
         </p:nvSpPr>
-        <p:spPr/>
-        <p:txBody>
-          <a:bodyPr/>
-          <a:lstStyle/>
-          <a:p>
-            <a:endParaRPr lang="en-GB"/>
+        <p:spPr>
+          <a:xfrm>
+            <a:off x="838200" y="616688"/>
+            <a:ext cx="10515600" cy="5560275"/>
+          </a:xfrm>
+        </p:spPr>
+        <p:txBody>
+          <a:bodyPr>
+            <a:normAutofit/>
+          </a:bodyPr>
+          <a:lstStyle/>
+          <a:p>
+            <a:pPr>
+              <a:buNone/>
+            </a:pPr>
+            <a:r>
+              <a:rPr lang="en-GB" sz="3200" dirty="0" smtClean="0"/>
+              <a:t>Must be able to</a:t>
+            </a:r>
+          </a:p>
+          <a:p>
+            <a:pPr lvl="1"/>
+            <a:r>
+              <a:rPr lang="en-GB" sz="3200" dirty="0" smtClean="0"/>
+              <a:t>Volunteers</a:t>
+            </a:r>
+          </a:p>
+          <a:p>
+            <a:pPr lvl="2"/>
+            <a:r>
+              <a:rPr lang="en-GB" sz="3200" dirty="0" smtClean="0"/>
+              <a:t>Search for opportunities</a:t>
+            </a:r>
+          </a:p>
+          <a:p>
+            <a:pPr lvl="2"/>
+            <a:r>
+              <a:rPr lang="en-GB" sz="3200" dirty="0" smtClean="0"/>
+              <a:t>Volunteer for opportunities</a:t>
+            </a:r>
+          </a:p>
+          <a:p>
+            <a:pPr lvl="2"/>
+            <a:r>
+              <a:rPr lang="en-GB" sz="3200" dirty="0" smtClean="0"/>
+              <a:t>Edit/create personal details</a:t>
+            </a:r>
+          </a:p>
+          <a:p>
+            <a:pPr lvl="1"/>
+            <a:r>
+              <a:rPr lang="en-GB" sz="3200" dirty="0" smtClean="0"/>
+              <a:t>Organisers</a:t>
+            </a:r>
+          </a:p>
+          <a:p>
+            <a:pPr lvl="2"/>
+            <a:r>
+              <a:rPr lang="en-GB" sz="3200" dirty="0" smtClean="0"/>
+              <a:t>Post/edit opportunities</a:t>
+            </a:r>
+          </a:p>
+          <a:p>
+            <a:pPr lvl="2"/>
+            <a:r>
+              <a:rPr lang="en-GB" sz="3200" dirty="0" smtClean="0"/>
+              <a:t>Delete opportunities</a:t>
+            </a:r>
+          </a:p>
+          <a:p>
+            <a:pPr lvl="2"/>
+            <a:r>
+              <a:rPr lang="en-GB" sz="3200" dirty="0" smtClean="0"/>
+              <a:t>Create/maintain profile</a:t>
+            </a:r>
+          </a:p>
+          <a:p>
+            <a:pPr lvl="2"/>
+            <a:r>
+              <a:rPr lang="en-GB" sz="3200" dirty="0" smtClean="0"/>
+              <a:t>View reply’s</a:t>
+            </a:r>
+            <a:endParaRPr lang="en-GB" sz="3200" dirty="0"/>
+          </a:p>
+        </p:txBody>
+      </p:sp>
+      <p:sp>
+        <p:nvSpPr>
+          <p:cNvPr id="4" name="TextBox 3"/>
+          <p:cNvSpPr txBox="1"/>
+          <p:nvPr/>
+        </p:nvSpPr>
+        <p:spPr>
+          <a:xfrm>
+            <a:off x="263611" y="214184"/>
+            <a:ext cx="2924432" cy="370702"/>
+          </a:xfrm>
+          <a:prstGeom prst="rect">
+            <a:avLst/>
+          </a:prstGeom>
+          <a:noFill/>
+        </p:spPr>
+        <p:txBody>
+          <a:bodyPr wrap="square" rtlCol="0">
+            <a:spAutoFit/>
+          </a:bodyPr>
+          <a:lstStyle/>
+          <a:p>
+            <a:r>
+              <a:rPr lang="en-GB" dirty="0" smtClean="0"/>
+              <a:t>Specification list: </a:t>
+            </a:r>
+            <a:endParaRPr lang="en-GB" dirty="0"/>
           </a:p>
         </p:txBody>
       </p:sp>
     </p:spTree>
     <p:extLst>
       <p:ext uri="{BB962C8B-B14F-4D97-AF65-F5344CB8AC3E}">
-        <p14:creationId xmlns:p14="http://schemas.microsoft.com/office/powerpoint/2010/main" val="2248986001"/>
+        <p14:creationId xmlns:p14="http://schemas.microsoft.com/office/powerpoint/2010/main" xmlns="" val="1163820659"/>
+      </p:ext>
+    </p:extLst>
+  </p:cSld>
+  <p:clrMapOvr>
+    <a:masterClrMapping/>
+  </p:clrMapOvr>
+</p:sld>
+</file>
+
+<file path=ppt/slides/slide9.xml><?xml version="1.0" encoding="utf-8"?>
+<p:sld xmlns:a="http://schemas.openxmlformats.org/drawingml/2006/main" xmlns:r="http://schemas.openxmlformats.org/officeDocument/2006/relationships" xmlns:p="http://schemas.openxmlformats.org/presentationml/2006/main">
+  <p:cSld>
+    <p:spTree>
+      <p:nvGrpSpPr>
+        <p:cNvPr id="1" name=""/>
+        <p:cNvGrpSpPr/>
+        <p:nvPr/>
+      </p:nvGrpSpPr>
+      <p:grpSpPr>
+        <a:xfrm>
+          <a:off x="0" y="0"/>
+          <a:ext cx="0" cy="0"/>
+          <a:chOff x="0" y="0"/>
+          <a:chExt cx="0" cy="0"/>
+        </a:xfrm>
+      </p:grpSpPr>
+      <p:sp>
+        <p:nvSpPr>
+          <p:cNvPr id="3" name="Content Placeholder 2"/>
+          <p:cNvSpPr>
+            <a:spLocks noGrp="1"/>
+          </p:cNvSpPr>
+          <p:nvPr>
+            <p:ph idx="1"/>
+          </p:nvPr>
+        </p:nvSpPr>
+        <p:spPr>
+          <a:xfrm>
+            <a:off x="838200" y="637953"/>
+            <a:ext cx="10515600" cy="5539010"/>
+          </a:xfrm>
+        </p:spPr>
+        <p:txBody>
+          <a:bodyPr>
+            <a:normAutofit/>
+          </a:bodyPr>
+          <a:lstStyle/>
+          <a:p>
+            <a:pPr marL="0" indent="0">
+              <a:buNone/>
+            </a:pPr>
+            <a:r>
+              <a:rPr lang="en-GB" sz="3200" dirty="0"/>
+              <a:t>Should be able to</a:t>
+            </a:r>
+          </a:p>
+          <a:p>
+            <a:pPr lvl="1"/>
+            <a:r>
+              <a:rPr lang="en-GB" sz="3200" dirty="0"/>
+              <a:t>Volunteers</a:t>
+            </a:r>
+          </a:p>
+          <a:p>
+            <a:pPr lvl="2"/>
+            <a:r>
+              <a:rPr lang="en-GB" sz="3200" dirty="0"/>
+              <a:t>Save searches</a:t>
+            </a:r>
+          </a:p>
+          <a:p>
+            <a:pPr lvl="2"/>
+            <a:r>
+              <a:rPr lang="en-GB" sz="3200" dirty="0"/>
+              <a:t>Post </a:t>
+            </a:r>
+            <a:r>
+              <a:rPr lang="en-GB" sz="3200" dirty="0" err="1"/>
+              <a:t>cv’s</a:t>
+            </a:r>
+            <a:endParaRPr lang="en-GB" sz="3200" dirty="0"/>
+          </a:p>
+          <a:p>
+            <a:pPr lvl="1"/>
+            <a:r>
+              <a:rPr lang="en-GB" sz="3200" dirty="0"/>
+              <a:t>Organisers</a:t>
+            </a:r>
+          </a:p>
+          <a:p>
+            <a:pPr lvl="2"/>
+            <a:r>
+              <a:rPr lang="en-GB" sz="3200" dirty="0"/>
+              <a:t>Edit/create details for accounts</a:t>
+            </a:r>
+          </a:p>
+          <a:p>
+            <a:pPr lvl="2"/>
+            <a:r>
+              <a:rPr lang="en-GB" sz="3200" dirty="0" smtClean="0"/>
+              <a:t>Renewing </a:t>
+            </a:r>
+            <a:r>
+              <a:rPr lang="en-GB" sz="3200" dirty="0"/>
+              <a:t>old opportunities</a:t>
+            </a:r>
+          </a:p>
+        </p:txBody>
+      </p:sp>
+    </p:spTree>
+    <p:extLst>
+      <p:ext uri="{BB962C8B-B14F-4D97-AF65-F5344CB8AC3E}">
+        <p14:creationId xmlns:p14="http://schemas.microsoft.com/office/powerpoint/2010/main" xmlns="" val="1901671833"/>
       </p:ext>
     </p:extLst>
   </p:cSld>
@@ -4119,7 +4483,7 @@
     </a:clrScheme>
     <a:fontScheme name="Office">
       <a:majorFont>
-        <a:latin typeface="Calibri Light" panose="020F0302020204030204"/>
+        <a:latin typeface="Calibri Light"/>
         <a:ea typeface=""/>
         <a:cs typeface=""/>
         <a:font script="Jpan" typeface="ＭＳ Ｐゴシック"/>
@@ -4154,7 +4518,7 @@
         <a:font script="Geor" typeface="Sylfaen"/>
       </a:majorFont>
       <a:minorFont>
-        <a:latin typeface="Calibri" panose="020F0502020204030204"/>
+        <a:latin typeface="Calibri"/>
         <a:ea typeface=""/>
         <a:cs typeface=""/>
         <a:font script="Jpan" typeface="ＭＳ Ｐゴシック"/>
@@ -4331,7 +4695,7 @@
   <a:extraClrSchemeLst/>
   <a:extLst>
     <a:ext uri="{05A4C25C-085E-4340-85A3-A5531E510DB2}">
-      <thm15:themeFamily xmlns:thm15="http://schemas.microsoft.com/office/thememl/2012/main" name="Office Theme" id="{62F939B6-93AF-4DB8-9C6B-D6C7DFDC589F}" vid="{4A3C46E8-61CC-4603-A589-7422A47A8E4A}"/>
+      <thm15:themeFamily xmlns:thm15="http://schemas.microsoft.com/office/thememl/2012/main" xmlns="" name="Office Theme" id="{62F939B6-93AF-4DB8-9C6B-D6C7DFDC589F}" vid="{4A3C46E8-61CC-4603-A589-7422A47A8E4A}"/>
     </a:ext>
   </a:extLst>
 </a:theme>

--- a/Volunteer Me.pptx
+++ b/Volunteer Me.pptx
@@ -301,7 +301,7 @@
     </p:spTree>
     <p:extLst>
       <p:ext uri="{BB962C8B-B14F-4D97-AF65-F5344CB8AC3E}">
-        <p14:creationId xmlns:p14="http://schemas.microsoft.com/office/powerpoint/2010/main" xmlns="" val="622448483"/>
+        <p14:creationId xmlns="" xmlns:p14="http://schemas.microsoft.com/office/powerpoint/2010/main" val="622448483"/>
       </p:ext>
     </p:extLst>
   </p:cSld>
@@ -473,7 +473,7 @@
     </p:spTree>
     <p:extLst>
       <p:ext uri="{BB962C8B-B14F-4D97-AF65-F5344CB8AC3E}">
-        <p14:creationId xmlns:p14="http://schemas.microsoft.com/office/powerpoint/2010/main" xmlns="" val="1323196966"/>
+        <p14:creationId xmlns="" xmlns:p14="http://schemas.microsoft.com/office/powerpoint/2010/main" val="1323196966"/>
       </p:ext>
     </p:extLst>
   </p:cSld>
@@ -655,7 +655,7 @@
     </p:spTree>
     <p:extLst>
       <p:ext uri="{BB962C8B-B14F-4D97-AF65-F5344CB8AC3E}">
-        <p14:creationId xmlns:p14="http://schemas.microsoft.com/office/powerpoint/2010/main" xmlns="" val="836610292"/>
+        <p14:creationId xmlns="" xmlns:p14="http://schemas.microsoft.com/office/powerpoint/2010/main" val="836610292"/>
       </p:ext>
     </p:extLst>
   </p:cSld>
@@ -827,7 +827,7 @@
     </p:spTree>
     <p:extLst>
       <p:ext uri="{BB962C8B-B14F-4D97-AF65-F5344CB8AC3E}">
-        <p14:creationId xmlns:p14="http://schemas.microsoft.com/office/powerpoint/2010/main" xmlns="" val="1750957170"/>
+        <p14:creationId xmlns="" xmlns:p14="http://schemas.microsoft.com/office/powerpoint/2010/main" val="1750957170"/>
       </p:ext>
     </p:extLst>
   </p:cSld>
@@ -1075,7 +1075,7 @@
     </p:spTree>
     <p:extLst>
       <p:ext uri="{BB962C8B-B14F-4D97-AF65-F5344CB8AC3E}">
-        <p14:creationId xmlns:p14="http://schemas.microsoft.com/office/powerpoint/2010/main" xmlns="" val="2378764865"/>
+        <p14:creationId xmlns="" xmlns:p14="http://schemas.microsoft.com/office/powerpoint/2010/main" val="2378764865"/>
       </p:ext>
     </p:extLst>
   </p:cSld>
@@ -1309,7 +1309,7 @@
     </p:spTree>
     <p:extLst>
       <p:ext uri="{BB962C8B-B14F-4D97-AF65-F5344CB8AC3E}">
-        <p14:creationId xmlns:p14="http://schemas.microsoft.com/office/powerpoint/2010/main" xmlns="" val="4060584338"/>
+        <p14:creationId xmlns="" xmlns:p14="http://schemas.microsoft.com/office/powerpoint/2010/main" val="4060584338"/>
       </p:ext>
     </p:extLst>
   </p:cSld>
@@ -1678,7 +1678,7 @@
     </p:spTree>
     <p:extLst>
       <p:ext uri="{BB962C8B-B14F-4D97-AF65-F5344CB8AC3E}">
-        <p14:creationId xmlns:p14="http://schemas.microsoft.com/office/powerpoint/2010/main" xmlns="" val="356460507"/>
+        <p14:creationId xmlns="" xmlns:p14="http://schemas.microsoft.com/office/powerpoint/2010/main" val="356460507"/>
       </p:ext>
     </p:extLst>
   </p:cSld>
@@ -1798,7 +1798,7 @@
     </p:spTree>
     <p:extLst>
       <p:ext uri="{BB962C8B-B14F-4D97-AF65-F5344CB8AC3E}">
-        <p14:creationId xmlns:p14="http://schemas.microsoft.com/office/powerpoint/2010/main" xmlns="" val="4234693313"/>
+        <p14:creationId xmlns="" xmlns:p14="http://schemas.microsoft.com/office/powerpoint/2010/main" val="4234693313"/>
       </p:ext>
     </p:extLst>
   </p:cSld>
@@ -1895,7 +1895,7 @@
     </p:spTree>
     <p:extLst>
       <p:ext uri="{BB962C8B-B14F-4D97-AF65-F5344CB8AC3E}">
-        <p14:creationId xmlns:p14="http://schemas.microsoft.com/office/powerpoint/2010/main" xmlns="" val="1048130900"/>
+        <p14:creationId xmlns="" xmlns:p14="http://schemas.microsoft.com/office/powerpoint/2010/main" val="1048130900"/>
       </p:ext>
     </p:extLst>
   </p:cSld>
@@ -2174,7 +2174,7 @@
     </p:spTree>
     <p:extLst>
       <p:ext uri="{BB962C8B-B14F-4D97-AF65-F5344CB8AC3E}">
-        <p14:creationId xmlns:p14="http://schemas.microsoft.com/office/powerpoint/2010/main" xmlns="" val="755880750"/>
+        <p14:creationId xmlns="" xmlns:p14="http://schemas.microsoft.com/office/powerpoint/2010/main" val="755880750"/>
       </p:ext>
     </p:extLst>
   </p:cSld>
@@ -2429,7 +2429,7 @@
     </p:spTree>
     <p:extLst>
       <p:ext uri="{BB962C8B-B14F-4D97-AF65-F5344CB8AC3E}">
-        <p14:creationId xmlns:p14="http://schemas.microsoft.com/office/powerpoint/2010/main" xmlns="" val="1418274539"/>
+        <p14:creationId xmlns="" xmlns:p14="http://schemas.microsoft.com/office/powerpoint/2010/main" val="1418274539"/>
       </p:ext>
     </p:extLst>
   </p:cSld>
@@ -2680,7 +2680,7 @@
     </p:spTree>
     <p:extLst>
       <p:ext uri="{BB962C8B-B14F-4D97-AF65-F5344CB8AC3E}">
-        <p14:creationId xmlns:p14="http://schemas.microsoft.com/office/powerpoint/2010/main" xmlns="" val="2079730830"/>
+        <p14:creationId xmlns="" xmlns:p14="http://schemas.microsoft.com/office/powerpoint/2010/main" val="2079730830"/>
       </p:ext>
     </p:extLst>
   </p:cSld>
@@ -3059,7 +3059,7 @@
     </p:spTree>
     <p:extLst>
       <p:ext uri="{BB962C8B-B14F-4D97-AF65-F5344CB8AC3E}">
-        <p14:creationId xmlns:p14="http://schemas.microsoft.com/office/powerpoint/2010/main" xmlns="" val="3699772286"/>
+        <p14:creationId xmlns="" xmlns:p14="http://schemas.microsoft.com/office/powerpoint/2010/main" val="3699772286"/>
       </p:ext>
     </p:extLst>
   </p:cSld>
@@ -3163,7 +3163,7 @@
     </p:spTree>
     <p:extLst>
       <p:ext uri="{BB962C8B-B14F-4D97-AF65-F5344CB8AC3E}">
-        <p14:creationId xmlns:p14="http://schemas.microsoft.com/office/powerpoint/2010/main" xmlns="" val="2241430637"/>
+        <p14:creationId xmlns="" xmlns:p14="http://schemas.microsoft.com/office/powerpoint/2010/main" val="2241430637"/>
       </p:ext>
     </p:extLst>
   </p:cSld>
@@ -3197,7 +3197,7 @@
             <a:spLocks noGrp="1"/>
           </p:cNvSpPr>
           <p:nvPr>
-            <p:ph type="title"/>
+            <p:ph type="ctrTitle"/>
           </p:nvPr>
         </p:nvSpPr>
         <p:spPr/>
@@ -3205,18 +3205,22 @@
           <a:bodyPr/>
           <a:lstStyle/>
           <a:p>
-            <a:endParaRPr lang="en-GB"/>
-          </a:p>
-        </p:txBody>
-      </p:sp>
-      <p:sp>
-        <p:nvSpPr>
-          <p:cNvPr id="3" name="Content Placeholder 2"/>
-          <p:cNvSpPr>
-            <a:spLocks noGrp="1"/>
-          </p:cNvSpPr>
-          <p:nvPr>
-            <p:ph idx="1"/>
+            <a:r>
+              <a:rPr lang="en-GB" dirty="0" smtClean="0"/>
+              <a:t>Any Questions ?</a:t>
+            </a:r>
+            <a:endParaRPr lang="en-GB" dirty="0"/>
+          </a:p>
+        </p:txBody>
+      </p:sp>
+      <p:sp>
+        <p:nvSpPr>
+          <p:cNvPr id="4" name="Subtitle 3"/>
+          <p:cNvSpPr>
+            <a:spLocks noGrp="1"/>
+          </p:cNvSpPr>
+          <p:nvPr>
+            <p:ph type="subTitle" idx="1"/>
           </p:nvPr>
         </p:nvSpPr>
         <p:spPr/>
@@ -3231,7 +3235,7 @@
     </p:spTree>
     <p:extLst>
       <p:ext uri="{BB962C8B-B14F-4D97-AF65-F5344CB8AC3E}">
-        <p14:creationId xmlns:p14="http://schemas.microsoft.com/office/powerpoint/2010/main" xmlns="" val="2248986001"/>
+        <p14:creationId xmlns="" xmlns:p14="http://schemas.microsoft.com/office/powerpoint/2010/main" val="2248986001"/>
       </p:ext>
     </p:extLst>
   </p:cSld>
@@ -3542,7 +3546,7 @@
     </p:spTree>
     <p:extLst>
       <p:ext uri="{BB962C8B-B14F-4D97-AF65-F5344CB8AC3E}">
-        <p14:creationId xmlns:p14="http://schemas.microsoft.com/office/powerpoint/2010/main" xmlns="" val="2547993932"/>
+        <p14:creationId xmlns="" xmlns:p14="http://schemas.microsoft.com/office/powerpoint/2010/main" val="2547993932"/>
       </p:ext>
     </p:extLst>
   </p:cSld>
@@ -3683,7 +3687,6 @@
               <a:rPr lang="en-GB" dirty="0" smtClean="0"/>
               <a:t>basic tasks.</a:t>
             </a:r>
-            <a:endParaRPr lang="en-GB" dirty="0" smtClean="0"/>
           </a:p>
           <a:p>
             <a:pPr marL="742950" lvl="1" indent="-285750">
@@ -3888,7 +3891,7 @@
     </p:spTree>
     <p:extLst>
       <p:ext uri="{BB962C8B-B14F-4D97-AF65-F5344CB8AC3E}">
-        <p14:creationId xmlns:p14="http://schemas.microsoft.com/office/powerpoint/2010/main" xmlns="" val="62962622"/>
+        <p14:creationId xmlns="" xmlns:p14="http://schemas.microsoft.com/office/powerpoint/2010/main" val="62962622"/>
       </p:ext>
     </p:extLst>
   </p:cSld>
@@ -4052,9 +4055,39 @@
           <a:chExt cx="0" cy="0"/>
         </a:xfrm>
       </p:grpSpPr>
+      <p:sp>
+        <p:nvSpPr>
+          <p:cNvPr id="6" name="TextBox 5"/>
+          <p:cNvSpPr txBox="1"/>
+          <p:nvPr/>
+        </p:nvSpPr>
+        <p:spPr>
+          <a:xfrm>
+            <a:off x="123568" y="214184"/>
+            <a:ext cx="2199502" cy="369332"/>
+          </a:xfrm>
+          <a:prstGeom prst="rect">
+            <a:avLst/>
+          </a:prstGeom>
+          <a:noFill/>
+        </p:spPr>
+        <p:txBody>
+          <a:bodyPr wrap="square" rtlCol="0">
+            <a:spAutoFit/>
+          </a:bodyPr>
+          <a:lstStyle/>
+          <a:p>
+            <a:r>
+              <a:rPr lang="en-GB" dirty="0" smtClean="0"/>
+              <a:t>Site Map:</a:t>
+            </a:r>
+            <a:endParaRPr lang="en-GB" dirty="0"/>
+          </a:p>
+        </p:txBody>
+      </p:sp>
       <p:pic>
         <p:nvPicPr>
-          <p:cNvPr id="4099" name="Picture 3" descr="H:\Workspace\code\VolunteerMe\SitemapERandUML\Site Map Draft.png"/>
+          <p:cNvPr id="2050" name="Picture 2" descr="H:\Workspace\WADProject\VolunteerMe\SitemapERandUML\Site Map.png"/>
           <p:cNvPicPr>
             <a:picLocks noChangeAspect="1" noChangeArrowheads="1"/>
           </p:cNvPicPr>
@@ -4069,8 +4102,8 @@
         </p:blipFill>
         <p:spPr bwMode="auto">
           <a:xfrm>
-            <a:off x="1647120" y="1030688"/>
-            <a:ext cx="9802813" cy="5257801"/>
+            <a:off x="1209425" y="196817"/>
+            <a:ext cx="9802812" cy="5257800"/>
           </a:xfrm>
           <a:prstGeom prst="rect">
             <a:avLst/>
@@ -4080,14 +4113,14 @@
       </p:pic>
       <p:sp>
         <p:nvSpPr>
-          <p:cNvPr id="6" name="TextBox 5"/>
+          <p:cNvPr id="7" name="TextBox 6"/>
           <p:cNvSpPr txBox="1"/>
           <p:nvPr/>
         </p:nvSpPr>
         <p:spPr>
           <a:xfrm>
-            <a:off x="123568" y="214184"/>
-            <a:ext cx="2199502" cy="369332"/>
+            <a:off x="551935" y="4333102"/>
+            <a:ext cx="4349579" cy="2123658"/>
           </a:xfrm>
           <a:prstGeom prst="rect">
             <a:avLst/>
@@ -4101,10 +4134,76 @@
           <a:lstStyle/>
           <a:p>
             <a:r>
-              <a:rPr lang="en-GB" dirty="0" smtClean="0"/>
-              <a:t>Site Map:</a:t>
-            </a:r>
-            <a:endParaRPr lang="en-GB" dirty="0"/>
+              <a:rPr lang="en-GB" sz="1200" dirty="0" smtClean="0"/>
+              <a:t>www.volunteerme.com/</a:t>
+            </a:r>
+          </a:p>
+          <a:p>
+            <a:r>
+              <a:rPr lang="en-GB" sz="1200" dirty="0" smtClean="0"/>
+              <a:t>www.volunteerme.com/search</a:t>
+            </a:r>
+          </a:p>
+          <a:p>
+            <a:r>
+              <a:rPr lang="en-GB" sz="1200" dirty="0" smtClean="0"/>
+              <a:t>www.volunteerme.com/login</a:t>
+            </a:r>
+          </a:p>
+          <a:p>
+            <a:r>
+              <a:rPr lang="en-GB" sz="1200" dirty="0" smtClean="0"/>
+              <a:t>www.volunteerme.com/dashboard</a:t>
+            </a:r>
+          </a:p>
+          <a:p>
+            <a:r>
+              <a:rPr lang="en-GB" sz="1200" dirty="0" smtClean="0"/>
+              <a:t>www.volunteerme.com/volunteer/&lt;volunteer&gt;</a:t>
+            </a:r>
+          </a:p>
+          <a:p>
+            <a:r>
+              <a:rPr lang="en-GB" sz="1200" dirty="0" smtClean="0"/>
+              <a:t>www.volunteerme.com/volunteer/register</a:t>
+            </a:r>
+          </a:p>
+          <a:p>
+            <a:r>
+              <a:rPr lang="en-GB" sz="1200" dirty="0" smtClean="0"/>
+              <a:t>www.volunteerme.com/organiser/register</a:t>
+            </a:r>
+          </a:p>
+          <a:p>
+            <a:r>
+              <a:rPr lang="en-GB" sz="1200" dirty="0" smtClean="0"/>
+              <a:t>www.volunteerme.com/organiser/&lt;organiser&gt;</a:t>
+            </a:r>
+          </a:p>
+          <a:p>
+            <a:r>
+              <a:rPr lang="en-GB" sz="1200" dirty="0" smtClean="0"/>
+              <a:t>www.volunteerme.com/organiser/&lt;organiser</a:t>
+            </a:r>
+            <a:r>
+              <a:rPr lang="en-GB" sz="1200" dirty="0" smtClean="0"/>
+              <a:t>&gt;/&lt;opportunities&gt;</a:t>
+            </a:r>
+            <a:endParaRPr lang="en-GB" sz="1200" dirty="0" smtClean="0"/>
+          </a:p>
+          <a:p>
+            <a:r>
+              <a:rPr lang="en-GB" sz="1200" dirty="0" smtClean="0"/>
+              <a:t>www.volunteerme.com/organiser/manage-opportunities</a:t>
+            </a:r>
+            <a:endParaRPr lang="en-GB" sz="1200" dirty="0" smtClean="0"/>
+          </a:p>
+          <a:p>
+            <a:r>
+              <a:rPr lang="en-GB" sz="1200" dirty="0" smtClean="0"/>
+              <a:t>www.volunteerme.com/organiser/create-opportunities</a:t>
+            </a:r>
+            <a:endParaRPr lang="en-GB" sz="1200" dirty="0"/>
           </a:p>
         </p:txBody>
       </p:sp>
@@ -4163,6 +4262,32 @@
           </a:p>
         </p:txBody>
       </p:sp>
+      <p:pic>
+        <p:nvPicPr>
+          <p:cNvPr id="1026" name="Picture 2" descr="H:\Workspace\WADProject\VolunteerMe\SitemapERandUML\ER.png"/>
+          <p:cNvPicPr>
+            <a:picLocks noChangeAspect="1" noChangeArrowheads="1"/>
+          </p:cNvPicPr>
+          <p:nvPr/>
+        </p:nvPicPr>
+        <p:blipFill>
+          <a:blip r:embed="rId2" cstate="print"/>
+          <a:srcRect/>
+          <a:stretch>
+            <a:fillRect/>
+          </a:stretch>
+        </p:blipFill>
+        <p:spPr bwMode="auto">
+          <a:xfrm>
+            <a:off x="1270683" y="405283"/>
+            <a:ext cx="8903047" cy="5901040"/>
+          </a:xfrm>
+          <a:prstGeom prst="rect">
+            <a:avLst/>
+          </a:prstGeom>
+          <a:noFill/>
+        </p:spPr>
+      </p:pic>
     </p:spTree>
   </p:cSld>
   <p:clrMapOvr>
@@ -4317,7 +4442,7 @@
     </p:spTree>
     <p:extLst>
       <p:ext uri="{BB962C8B-B14F-4D97-AF65-F5344CB8AC3E}">
-        <p14:creationId xmlns:p14="http://schemas.microsoft.com/office/powerpoint/2010/main" xmlns="" val="1163820659"/>
+        <p14:creationId xmlns="" xmlns:p14="http://schemas.microsoft.com/office/powerpoint/2010/main" val="1163820659"/>
       </p:ext>
     </p:extLst>
   </p:cSld>
@@ -4430,7 +4555,7 @@
     </p:spTree>
     <p:extLst>
       <p:ext uri="{BB962C8B-B14F-4D97-AF65-F5344CB8AC3E}">
-        <p14:creationId xmlns:p14="http://schemas.microsoft.com/office/powerpoint/2010/main" xmlns="" val="1901671833"/>
+        <p14:creationId xmlns="" xmlns:p14="http://schemas.microsoft.com/office/powerpoint/2010/main" val="1901671833"/>
       </p:ext>
     </p:extLst>
   </p:cSld>
@@ -4695,7 +4820,7 @@
   <a:extraClrSchemeLst/>
   <a:extLst>
     <a:ext uri="{05A4C25C-085E-4340-85A3-A5531E510DB2}">
-      <thm15:themeFamily xmlns:thm15="http://schemas.microsoft.com/office/thememl/2012/main" xmlns="" name="Office Theme" id="{62F939B6-93AF-4DB8-9C6B-D6C7DFDC589F}" vid="{4A3C46E8-61CC-4603-A589-7422A47A8E4A}"/>
+      <thm15:themeFamily xmlns="" xmlns:thm15="http://schemas.microsoft.com/office/thememl/2012/main" name="Office Theme" id="{62F939B6-93AF-4DB8-9C6B-D6C7DFDC589F}" vid="{4A3C46E8-61CC-4603-A589-7422A47A8E4A}"/>
     </a:ext>
   </a:extLst>
 </a:theme>

--- a/Volunteer Me.pptx
+++ b/Volunteer Me.pptx
@@ -21,6 +21,8 @@
     <p:sldId id="266" r:id="rId16"/>
     <p:sldId id="267" r:id="rId17"/>
     <p:sldId id="268" r:id="rId18"/>
+    <p:sldId id="269" r:id="rId19"/>
+    <p:sldId id="270" r:id="rId20"/>
   </p:sldIdLst>
   <p:sldSz cy="6858000" cx="12192000"/>
   <p:notesSz cy="9144000" cx="6858000"/>
@@ -497,7 +499,7 @@
   <p:cSld>
     <p:spTree>
       <p:nvGrpSpPr>
-        <p:cNvPr id="144" name="Shape 144"/>
+        <p:cNvPr id="142" name="Shape 142"/>
         <p:cNvGrpSpPr/>
         <p:nvPr/>
       </p:nvGrpSpPr>
@@ -511,43 +513,7 @@
       </p:grpSpPr>
       <p:sp>
         <p:nvSpPr>
-          <p:cNvPr id="145" name="Shape 145"/>
-          <p:cNvSpPr txBox="1"/>
-          <p:nvPr>
-            <p:ph idx="1" type="body"/>
-          </p:nvPr>
-        </p:nvSpPr>
-        <p:spPr>
-          <a:xfrm>
-            <a:off y="4343400" x="685800"/>
-            <a:ext cy="4114800" cx="5486399"/>
-          </a:xfrm>
-          <a:prstGeom prst="rect">
-            <a:avLst/>
-          </a:prstGeom>
-        </p:spPr>
-        <p:txBody>
-          <a:bodyPr bIns="91425" rIns="91425" lIns="91425" tIns="91425" anchor="ctr" anchorCtr="0">
-            <a:noAutofit/>
-          </a:bodyPr>
-          <a:lstStyle/>
-          <a:p>
-            <a:pPr>
-              <a:spcBef>
-                <a:spcPts val="0"/>
-              </a:spcBef>
-              <a:buNone/>
-            </a:pPr>
-            <a:r>
-              <a:t/>
-            </a:r>
-            <a:endParaRPr/>
-          </a:p>
-        </p:txBody>
-      </p:sp>
-      <p:sp>
-        <p:nvSpPr>
-          <p:cNvPr id="146" name="Shape 146"/>
+          <p:cNvPr id="143" name="Shape 143"/>
           <p:cNvSpPr/>
           <p:nvPr>
             <p:ph idx="2" type="sldImg"/>
@@ -556,7 +522,7 @@
         <p:spPr>
           <a:xfrm>
             <a:off y="685800" x="1143225"/>
-            <a:ext cy="3429000" cx="4572225"/>
+            <a:ext cy="3429000" cx="4572299"/>
           </a:xfrm>
           <a:custGeom>
             <a:pathLst>
@@ -589,34 +555,9 @@
           </a:ln>
         </p:spPr>
       </p:sp>
-    </p:spTree>
-  </p:cSld>
-  <p:clrMapOvr>
-    <a:masterClrMapping/>
-  </p:clrMapOvr>
-</p:notes>
-</file>
-
-<file path=ppt/notesSlides/notesSlide11.xml><?xml version="1.0" encoding="utf-8"?>
-<p:notes xmlns:a="http://schemas.openxmlformats.org/drawingml/2006/main" xmlns:r="http://schemas.openxmlformats.org/officeDocument/2006/relationships" xmlns:mc="http://schemas.openxmlformats.org/markup-compatibility/2006" xmlns:mv="urn:schemas-microsoft-com:mac:vml" xmlns:p="http://schemas.openxmlformats.org/presentationml/2006/main" xmlns:c="http://schemas.openxmlformats.org/drawingml/2006/chart" xmlns:dgm="http://schemas.openxmlformats.org/drawingml/2006/diagram" xmlns:o="urn:schemas-microsoft-com:office:office" xmlns:v="urn:schemas-microsoft-com:vml" xmlns:pvml="urn:schemas-microsoft-com:office:powerpoint" xmlns:com="http://schemas.openxmlformats.org/drawingml/2006/compatibility" xmlns:p14="http://schemas.microsoft.com/office/powerpoint/2010/main" showMasterSp="0" showMasterPhAnim="0">
-  <p:cSld>
-    <p:spTree>
-      <p:nvGrpSpPr>
-        <p:cNvPr id="150" name="Shape 150"/>
-        <p:cNvGrpSpPr/>
-        <p:nvPr/>
-      </p:nvGrpSpPr>
-      <p:grpSpPr>
-        <a:xfrm>
-          <a:off y="0" x="0"/>
-          <a:ext cy="0" cx="0"/>
-          <a:chOff y="0" x="0"/>
-          <a:chExt cy="0" cx="0"/>
-        </a:xfrm>
-      </p:grpSpPr>
       <p:sp>
         <p:nvSpPr>
-          <p:cNvPr id="151" name="Shape 151"/>
+          <p:cNvPr id="144" name="Shape 144"/>
           <p:cNvSpPr txBox="1"/>
           <p:nvPr>
             <p:ph idx="1" type="body"/>
@@ -632,7 +573,7 @@
           </a:prstGeom>
         </p:spPr>
         <p:txBody>
-          <a:bodyPr bIns="91425" rIns="91425" lIns="91425" tIns="91425" anchor="ctr" anchorCtr="0">
+          <a:bodyPr bIns="91425" rIns="91425" lIns="91425" tIns="91425" anchor="t" anchorCtr="0">
             <a:noAutofit/>
           </a:bodyPr>
           <a:lstStyle/>
@@ -650,9 +591,34 @@
           </a:p>
         </p:txBody>
       </p:sp>
+    </p:spTree>
+  </p:cSld>
+  <p:clrMapOvr>
+    <a:masterClrMapping/>
+  </p:clrMapOvr>
+</p:notes>
+</file>
+
+<file path=ppt/notesSlides/notesSlide11.xml><?xml version="1.0" encoding="utf-8"?>
+<p:notes xmlns:a="http://schemas.openxmlformats.org/drawingml/2006/main" xmlns:r="http://schemas.openxmlformats.org/officeDocument/2006/relationships" xmlns:mc="http://schemas.openxmlformats.org/markup-compatibility/2006" xmlns:mv="urn:schemas-microsoft-com:mac:vml" xmlns:p="http://schemas.openxmlformats.org/presentationml/2006/main" xmlns:c="http://schemas.openxmlformats.org/drawingml/2006/chart" xmlns:dgm="http://schemas.openxmlformats.org/drawingml/2006/diagram" xmlns:o="urn:schemas-microsoft-com:office:office" xmlns:v="urn:schemas-microsoft-com:vml" xmlns:pvml="urn:schemas-microsoft-com:office:powerpoint" xmlns:com="http://schemas.openxmlformats.org/drawingml/2006/compatibility" xmlns:p14="http://schemas.microsoft.com/office/powerpoint/2010/main" showMasterSp="0" showMasterPhAnim="0">
+  <p:cSld>
+    <p:spTree>
+      <p:nvGrpSpPr>
+        <p:cNvPr id="149" name="Shape 149"/>
+        <p:cNvGrpSpPr/>
+        <p:nvPr/>
+      </p:nvGrpSpPr>
+      <p:grpSpPr>
+        <a:xfrm>
+          <a:off y="0" x="0"/>
+          <a:ext cy="0" cx="0"/>
+          <a:chOff y="0" x="0"/>
+          <a:chExt cy="0" cx="0"/>
+        </a:xfrm>
+      </p:grpSpPr>
       <p:sp>
         <p:nvSpPr>
-          <p:cNvPr id="152" name="Shape 152"/>
+          <p:cNvPr id="150" name="Shape 150"/>
           <p:cNvSpPr/>
           <p:nvPr>
             <p:ph idx="2" type="sldImg"/>
@@ -661,7 +627,7 @@
         <p:spPr>
           <a:xfrm>
             <a:off y="685800" x="1143225"/>
-            <a:ext cy="3429000" cx="4572225"/>
+            <a:ext cy="3429000" cx="4572299"/>
           </a:xfrm>
           <a:custGeom>
             <a:pathLst>
@@ -694,6 +660,42 @@
           </a:ln>
         </p:spPr>
       </p:sp>
+      <p:sp>
+        <p:nvSpPr>
+          <p:cNvPr id="151" name="Shape 151"/>
+          <p:cNvSpPr txBox="1"/>
+          <p:nvPr>
+            <p:ph idx="1" type="body"/>
+          </p:nvPr>
+        </p:nvSpPr>
+        <p:spPr>
+          <a:xfrm>
+            <a:off y="4343400" x="685800"/>
+            <a:ext cy="4114800" cx="5486399"/>
+          </a:xfrm>
+          <a:prstGeom prst="rect">
+            <a:avLst/>
+          </a:prstGeom>
+        </p:spPr>
+        <p:txBody>
+          <a:bodyPr bIns="91425" rIns="91425" lIns="91425" tIns="91425" anchor="t" anchorCtr="0">
+            <a:noAutofit/>
+          </a:bodyPr>
+          <a:lstStyle/>
+          <a:p>
+            <a:pPr>
+              <a:spcBef>
+                <a:spcPts val="0"/>
+              </a:spcBef>
+              <a:buNone/>
+            </a:pPr>
+            <a:r>
+              <a:t/>
+            </a:r>
+            <a:endParaRPr/>
+          </a:p>
+        </p:txBody>
+      </p:sp>
     </p:spTree>
   </p:cSld>
   <p:clrMapOvr>
@@ -707,7 +709,7 @@
   <p:cSld>
     <p:spTree>
       <p:nvGrpSpPr>
-        <p:cNvPr id="155" name="Shape 155"/>
+        <p:cNvPr id="156" name="Shape 156"/>
         <p:cNvGrpSpPr/>
         <p:nvPr/>
       </p:nvGrpSpPr>
@@ -721,7 +723,7 @@
       </p:grpSpPr>
       <p:sp>
         <p:nvSpPr>
-          <p:cNvPr id="156" name="Shape 156"/>
+          <p:cNvPr id="157" name="Shape 157"/>
           <p:cNvSpPr txBox="1"/>
           <p:nvPr>
             <p:ph idx="1" type="body"/>
@@ -757,7 +759,7 @@
       </p:sp>
       <p:sp>
         <p:nvSpPr>
-          <p:cNvPr id="157" name="Shape 157"/>
+          <p:cNvPr id="158" name="Shape 158"/>
           <p:cNvSpPr/>
           <p:nvPr>
             <p:ph idx="2" type="sldImg"/>
@@ -812,7 +814,7 @@
   <p:cSld>
     <p:spTree>
       <p:nvGrpSpPr>
-        <p:cNvPr id="160" name="Shape 160"/>
+        <p:cNvPr id="162" name="Shape 162"/>
         <p:cNvGrpSpPr/>
         <p:nvPr/>
       </p:nvGrpSpPr>
@@ -826,7 +828,7 @@
       </p:grpSpPr>
       <p:sp>
         <p:nvSpPr>
-          <p:cNvPr id="161" name="Shape 161"/>
+          <p:cNvPr id="163" name="Shape 163"/>
           <p:cNvSpPr txBox="1"/>
           <p:nvPr>
             <p:ph idx="1" type="body"/>
@@ -862,7 +864,217 @@
       </p:sp>
       <p:sp>
         <p:nvSpPr>
-          <p:cNvPr id="162" name="Shape 162"/>
+          <p:cNvPr id="164" name="Shape 164"/>
+          <p:cNvSpPr/>
+          <p:nvPr>
+            <p:ph idx="2" type="sldImg"/>
+          </p:nvPr>
+        </p:nvSpPr>
+        <p:spPr>
+          <a:xfrm>
+            <a:off y="685800" x="1143225"/>
+            <a:ext cy="3429000" cx="4572225"/>
+          </a:xfrm>
+          <a:custGeom>
+            <a:pathLst>
+              <a:path w="120000" extrusionOk="0" h="120000">
+                <a:moveTo>
+                  <a:pt y="0" x="0"/>
+                </a:moveTo>
+                <a:lnTo>
+                  <a:pt y="0" x="120000"/>
+                </a:lnTo>
+                <a:lnTo>
+                  <a:pt y="120000" x="120000"/>
+                </a:lnTo>
+                <a:lnTo>
+                  <a:pt y="120000" x="0"/>
+                </a:lnTo>
+                <a:close/>
+              </a:path>
+            </a:pathLst>
+          </a:custGeom>
+          <a:noFill/>
+          <a:ln w="9525" cap="flat">
+            <a:solidFill>
+              <a:srgbClr val="000000"/>
+            </a:solidFill>
+            <a:prstDash val="solid"/>
+            <a:round/>
+            <a:headEnd w="med" len="med" type="none"/>
+            <a:tailEnd w="med" len="med" type="none"/>
+          </a:ln>
+        </p:spPr>
+      </p:sp>
+    </p:spTree>
+  </p:cSld>
+  <p:clrMapOvr>
+    <a:masterClrMapping/>
+  </p:clrMapOvr>
+</p:notes>
+</file>
+
+<file path=ppt/notesSlides/notesSlide14.xml><?xml version="1.0" encoding="utf-8"?>
+<p:notes xmlns:a="http://schemas.openxmlformats.org/drawingml/2006/main" xmlns:r="http://schemas.openxmlformats.org/officeDocument/2006/relationships" xmlns:mc="http://schemas.openxmlformats.org/markup-compatibility/2006" xmlns:mv="urn:schemas-microsoft-com:mac:vml" xmlns:p="http://schemas.openxmlformats.org/presentationml/2006/main" xmlns:c="http://schemas.openxmlformats.org/drawingml/2006/chart" xmlns:dgm="http://schemas.openxmlformats.org/drawingml/2006/diagram" xmlns:o="urn:schemas-microsoft-com:office:office" xmlns:v="urn:schemas-microsoft-com:vml" xmlns:pvml="urn:schemas-microsoft-com:office:powerpoint" xmlns:com="http://schemas.openxmlformats.org/drawingml/2006/compatibility" xmlns:p14="http://schemas.microsoft.com/office/powerpoint/2010/main" showMasterSp="0" showMasterPhAnim="0">
+  <p:cSld>
+    <p:spTree>
+      <p:nvGrpSpPr>
+        <p:cNvPr id="167" name="Shape 167"/>
+        <p:cNvGrpSpPr/>
+        <p:nvPr/>
+      </p:nvGrpSpPr>
+      <p:grpSpPr>
+        <a:xfrm>
+          <a:off y="0" x="0"/>
+          <a:ext cy="0" cx="0"/>
+          <a:chOff y="0" x="0"/>
+          <a:chExt cy="0" cx="0"/>
+        </a:xfrm>
+      </p:grpSpPr>
+      <p:sp>
+        <p:nvSpPr>
+          <p:cNvPr id="168" name="Shape 168"/>
+          <p:cNvSpPr txBox="1"/>
+          <p:nvPr>
+            <p:ph idx="1" type="body"/>
+          </p:nvPr>
+        </p:nvSpPr>
+        <p:spPr>
+          <a:xfrm>
+            <a:off y="4343400" x="685800"/>
+            <a:ext cy="4114800" cx="5486399"/>
+          </a:xfrm>
+          <a:prstGeom prst="rect">
+            <a:avLst/>
+          </a:prstGeom>
+        </p:spPr>
+        <p:txBody>
+          <a:bodyPr bIns="91425" rIns="91425" lIns="91425" tIns="91425" anchor="ctr" anchorCtr="0">
+            <a:noAutofit/>
+          </a:bodyPr>
+          <a:lstStyle/>
+          <a:p>
+            <a:pPr>
+              <a:spcBef>
+                <a:spcPts val="0"/>
+              </a:spcBef>
+              <a:buNone/>
+            </a:pPr>
+            <a:r>
+              <a:t/>
+            </a:r>
+            <a:endParaRPr/>
+          </a:p>
+        </p:txBody>
+      </p:sp>
+      <p:sp>
+        <p:nvSpPr>
+          <p:cNvPr id="169" name="Shape 169"/>
+          <p:cNvSpPr/>
+          <p:nvPr>
+            <p:ph idx="2" type="sldImg"/>
+          </p:nvPr>
+        </p:nvSpPr>
+        <p:spPr>
+          <a:xfrm>
+            <a:off y="685800" x="1143225"/>
+            <a:ext cy="3429000" cx="4572225"/>
+          </a:xfrm>
+          <a:custGeom>
+            <a:pathLst>
+              <a:path w="120000" extrusionOk="0" h="120000">
+                <a:moveTo>
+                  <a:pt y="0" x="0"/>
+                </a:moveTo>
+                <a:lnTo>
+                  <a:pt y="0" x="120000"/>
+                </a:lnTo>
+                <a:lnTo>
+                  <a:pt y="120000" x="120000"/>
+                </a:lnTo>
+                <a:lnTo>
+                  <a:pt y="120000" x="0"/>
+                </a:lnTo>
+                <a:close/>
+              </a:path>
+            </a:pathLst>
+          </a:custGeom>
+          <a:noFill/>
+          <a:ln w="9525" cap="flat">
+            <a:solidFill>
+              <a:srgbClr val="000000"/>
+            </a:solidFill>
+            <a:prstDash val="solid"/>
+            <a:round/>
+            <a:headEnd w="med" len="med" type="none"/>
+            <a:tailEnd w="med" len="med" type="none"/>
+          </a:ln>
+        </p:spPr>
+      </p:sp>
+    </p:spTree>
+  </p:cSld>
+  <p:clrMapOvr>
+    <a:masterClrMapping/>
+  </p:clrMapOvr>
+</p:notes>
+</file>
+
+<file path=ppt/notesSlides/notesSlide15.xml><?xml version="1.0" encoding="utf-8"?>
+<p:notes xmlns:a="http://schemas.openxmlformats.org/drawingml/2006/main" xmlns:r="http://schemas.openxmlformats.org/officeDocument/2006/relationships" xmlns:mc="http://schemas.openxmlformats.org/markup-compatibility/2006" xmlns:mv="urn:schemas-microsoft-com:mac:vml" xmlns:p="http://schemas.openxmlformats.org/presentationml/2006/main" xmlns:c="http://schemas.openxmlformats.org/drawingml/2006/chart" xmlns:dgm="http://schemas.openxmlformats.org/drawingml/2006/diagram" xmlns:o="urn:schemas-microsoft-com:office:office" xmlns:v="urn:schemas-microsoft-com:vml" xmlns:pvml="urn:schemas-microsoft-com:office:powerpoint" xmlns:com="http://schemas.openxmlformats.org/drawingml/2006/compatibility" xmlns:p14="http://schemas.microsoft.com/office/powerpoint/2010/main" showMasterSp="0" showMasterPhAnim="0">
+  <p:cSld>
+    <p:spTree>
+      <p:nvGrpSpPr>
+        <p:cNvPr id="172" name="Shape 172"/>
+        <p:cNvGrpSpPr/>
+        <p:nvPr/>
+      </p:nvGrpSpPr>
+      <p:grpSpPr>
+        <a:xfrm>
+          <a:off y="0" x="0"/>
+          <a:ext cy="0" cx="0"/>
+          <a:chOff y="0" x="0"/>
+          <a:chExt cy="0" cx="0"/>
+        </a:xfrm>
+      </p:grpSpPr>
+      <p:sp>
+        <p:nvSpPr>
+          <p:cNvPr id="173" name="Shape 173"/>
+          <p:cNvSpPr txBox="1"/>
+          <p:nvPr>
+            <p:ph idx="1" type="body"/>
+          </p:nvPr>
+        </p:nvSpPr>
+        <p:spPr>
+          <a:xfrm>
+            <a:off y="4343400" x="685800"/>
+            <a:ext cy="4114800" cx="5486399"/>
+          </a:xfrm>
+          <a:prstGeom prst="rect">
+            <a:avLst/>
+          </a:prstGeom>
+        </p:spPr>
+        <p:txBody>
+          <a:bodyPr bIns="91425" rIns="91425" lIns="91425" tIns="91425" anchor="ctr" anchorCtr="0">
+            <a:noAutofit/>
+          </a:bodyPr>
+          <a:lstStyle/>
+          <a:p>
+            <a:pPr>
+              <a:spcBef>
+                <a:spcPts val="0"/>
+              </a:spcBef>
+              <a:buNone/>
+            </a:pPr>
+            <a:r>
+              <a:t/>
+            </a:r>
+            <a:endParaRPr/>
+          </a:p>
+        </p:txBody>
+      </p:sp>
+      <p:sp>
+        <p:nvSpPr>
+          <p:cNvPr id="174" name="Shape 174"/>
           <p:cNvSpPr/>
           <p:nvPr>
             <p:ph idx="2" type="sldImg"/>
@@ -8428,9 +8640,202 @@
           <a:chExt cy="0" cx="0"/>
         </a:xfrm>
       </p:grpSpPr>
+      <p:pic>
+        <p:nvPicPr>
+          <p:cNvPr id="141" name="Shape 141"/>
+          <p:cNvPicPr preferRelativeResize="0"/>
+          <p:nvPr/>
+        </p:nvPicPr>
+        <p:blipFill rotWithShape="1">
+          <a:blip r:embed="rId3">
+            <a:alphaModFix/>
+          </a:blip>
+          <a:srcRect t="57520" b="0" r="8037" l="9105"/>
+          <a:stretch/>
+        </p:blipFill>
+        <p:spPr>
+          <a:xfrm>
+            <a:off y="1042300" x="1522412"/>
+            <a:ext cy="4773400" cx="9147174"/>
+          </a:xfrm>
+          <a:prstGeom prst="rect">
+            <a:avLst/>
+          </a:prstGeom>
+          <a:noFill/>
+          <a:ln>
+            <a:noFill/>
+          </a:ln>
+        </p:spPr>
+      </p:pic>
+    </p:spTree>
+  </p:cSld>
+  <p:clrMapOvr>
+    <a:masterClrMapping/>
+  </p:clrMapOvr>
+  <p:transition spd="slow">
+    <p:cut/>
+  </p:transition>
+</p:sld>
+</file>
+
+<file path=ppt/slides/slide11.xml><?xml version="1.0" encoding="utf-8"?>
+<p:sld xmlns:a="http://schemas.openxmlformats.org/drawingml/2006/main" xmlns:r="http://schemas.openxmlformats.org/officeDocument/2006/relationships" xmlns:mc="http://schemas.openxmlformats.org/markup-compatibility/2006" xmlns:mv="urn:schemas-microsoft-com:mac:vml" xmlns:p="http://schemas.openxmlformats.org/presentationml/2006/main" xmlns:c="http://schemas.openxmlformats.org/drawingml/2006/chart" xmlns:dgm="http://schemas.openxmlformats.org/drawingml/2006/diagram" xmlns:o="urn:schemas-microsoft-com:office:office" xmlns:v="urn:schemas-microsoft-com:vml" xmlns:pvml="urn:schemas-microsoft-com:office:powerpoint" xmlns:com="http://schemas.openxmlformats.org/drawingml/2006/compatibility" xmlns:p14="http://schemas.microsoft.com/office/powerpoint/2010/main">
+  <p:cSld>
+    <p:spTree>
+      <p:nvGrpSpPr>
+        <p:cNvPr id="145" name="Shape 145"/>
+        <p:cNvGrpSpPr/>
+        <p:nvPr/>
+      </p:nvGrpSpPr>
+      <p:grpSpPr>
+        <a:xfrm>
+          <a:off y="0" x="0"/>
+          <a:ext cy="0" cx="0"/>
+          <a:chOff y="0" x="0"/>
+          <a:chExt cy="0" cx="0"/>
+        </a:xfrm>
+      </p:grpSpPr>
+      <p:pic>
+        <p:nvPicPr>
+          <p:cNvPr id="146" name="Shape 146"/>
+          <p:cNvPicPr preferRelativeResize="0"/>
+          <p:nvPr/>
+        </p:nvPicPr>
+        <p:blipFill>
+          <a:blip r:embed="rId3">
+            <a:alphaModFix/>
+          </a:blip>
+          <a:stretch>
+            <a:fillRect/>
+          </a:stretch>
+        </p:blipFill>
+        <p:spPr>
+          <a:xfrm>
+            <a:off y="243025" x="838199"/>
+            <a:ext cy="3294038" cx="10515599"/>
+          </a:xfrm>
+          <a:prstGeom prst="rect">
+            <a:avLst/>
+          </a:prstGeom>
+          <a:noFill/>
+          <a:ln>
+            <a:noFill/>
+          </a:ln>
+        </p:spPr>
+      </p:pic>
       <p:sp>
         <p:nvSpPr>
-          <p:cNvPr id="141" name="Shape 141"/>
+          <p:cNvPr id="147" name="Shape 147"/>
+          <p:cNvSpPr txBox="1"/>
+          <p:nvPr>
+            <p:ph type="title"/>
+          </p:nvPr>
+        </p:nvSpPr>
+        <p:spPr>
+          <a:xfrm>
+            <a:off y="365125" x="838200"/>
+            <a:ext cy="1325700" cx="10515599"/>
+          </a:xfrm>
+          <a:prstGeom prst="rect">
+            <a:avLst/>
+          </a:prstGeom>
+        </p:spPr>
+        <p:txBody>
+          <a:bodyPr bIns="91425" rIns="91425" lIns="91425" tIns="91425" anchor="ctr" anchorCtr="0">
+            <a:noAutofit/>
+          </a:bodyPr>
+          <a:lstStyle/>
+          <a:p>
+            <a:pPr>
+              <a:spcBef>
+                <a:spcPts val="0"/>
+              </a:spcBef>
+              <a:buNone/>
+            </a:pPr>
+            <a:r>
+              <a:rPr sz="3600" lang="en-GB">
+                <a:latin typeface="Calibri"/>
+                <a:ea typeface="Calibri"/>
+                <a:cs typeface="Calibri"/>
+                <a:sym typeface="Calibri"/>
+              </a:rPr>
+              <a:t>N-Tier Architecture</a:t>
+            </a:r>
+          </a:p>
+        </p:txBody>
+      </p:sp>
+      <p:sp>
+        <p:nvSpPr>
+          <p:cNvPr id="148" name="Shape 148"/>
+          <p:cNvSpPr txBox="1"/>
+          <p:nvPr>
+            <p:ph idx="1" type="body"/>
+          </p:nvPr>
+        </p:nvSpPr>
+        <p:spPr>
+          <a:xfrm>
+            <a:off y="4006600" x="838200"/>
+            <a:ext cy="2170199" cx="10515599"/>
+          </a:xfrm>
+          <a:prstGeom prst="rect">
+            <a:avLst/>
+          </a:prstGeom>
+        </p:spPr>
+        <p:txBody>
+          <a:bodyPr bIns="91425" rIns="91425" lIns="91425" tIns="91425" anchor="t" anchorCtr="0">
+            <a:noAutofit/>
+          </a:bodyPr>
+          <a:lstStyle/>
+          <a:p>
+            <a:pPr indent="0" marL="0">
+              <a:spcBef>
+                <a:spcPts val="0"/>
+              </a:spcBef>
+              <a:buNone/>
+            </a:pPr>
+            <a:r>
+              <a:rPr sz="2400" lang="en-GB">
+                <a:latin typeface="Calibri"/>
+                <a:ea typeface="Calibri"/>
+                <a:cs typeface="Calibri"/>
+                <a:sym typeface="Calibri"/>
+              </a:rPr>
+              <a:t>Google maps API included for some location search functionality</a:t>
+            </a:r>
+          </a:p>
+        </p:txBody>
+      </p:sp>
+    </p:spTree>
+  </p:cSld>
+  <p:clrMapOvr>
+    <a:masterClrMapping/>
+  </p:clrMapOvr>
+  <p:transition spd="slow">
+    <p:cut/>
+  </p:transition>
+</p:sld>
+</file>
+
+<file path=ppt/slides/slide12.xml><?xml version="1.0" encoding="utf-8"?>
+<p:sld xmlns:a="http://schemas.openxmlformats.org/drawingml/2006/main" xmlns:r="http://schemas.openxmlformats.org/officeDocument/2006/relationships" xmlns:mc="http://schemas.openxmlformats.org/markup-compatibility/2006" xmlns:mv="urn:schemas-microsoft-com:mac:vml" xmlns:p="http://schemas.openxmlformats.org/presentationml/2006/main" xmlns:c="http://schemas.openxmlformats.org/drawingml/2006/chart" xmlns:dgm="http://schemas.openxmlformats.org/drawingml/2006/diagram" xmlns:o="urn:schemas-microsoft-com:office:office" xmlns:v="urn:schemas-microsoft-com:vml" xmlns:pvml="urn:schemas-microsoft-com:office:powerpoint" xmlns:com="http://schemas.openxmlformats.org/drawingml/2006/compatibility" xmlns:p14="http://schemas.microsoft.com/office/powerpoint/2010/main">
+  <p:cSld>
+    <p:spTree>
+      <p:nvGrpSpPr>
+        <p:cNvPr id="152" name="Shape 152"/>
+        <p:cNvGrpSpPr/>
+        <p:nvPr/>
+      </p:nvGrpSpPr>
+      <p:grpSpPr>
+        <a:xfrm>
+          <a:off y="0" x="0"/>
+          <a:ext cy="0" cx="0"/>
+          <a:chOff y="0" x="0"/>
+          <a:chExt cy="0" cx="0"/>
+        </a:xfrm>
+      </p:grpSpPr>
+      <p:sp>
+        <p:nvSpPr>
+          <p:cNvPr id="153" name="Shape 153"/>
           <p:cNvSpPr txBox="1"/>
           <p:nvPr>
             <p:ph type="title"/>
@@ -8486,7 +8891,7 @@
       </p:sp>
       <p:sp>
         <p:nvSpPr>
-          <p:cNvPr id="142" name="Shape 142"/>
+          <p:cNvPr id="154" name="Shape 154"/>
           <p:cNvSpPr txBox="1"/>
           <p:nvPr>
             <p:ph idx="1" type="body"/>
@@ -8710,7 +9115,7 @@
       </p:sp>
       <p:pic>
         <p:nvPicPr>
-          <p:cNvPr id="143" name="Shape 143"/>
+          <p:cNvPr id="155" name="Shape 155"/>
           <p:cNvPicPr preferRelativeResize="0"/>
           <p:nvPr/>
         </p:nvPicPr>
@@ -8746,12 +9151,12 @@
 </p:sld>
 </file>
 
-<file path=ppt/slides/slide11.xml><?xml version="1.0" encoding="utf-8"?>
+<file path=ppt/slides/slide13.xml><?xml version="1.0" encoding="utf-8"?>
 <p:sld xmlns:a="http://schemas.openxmlformats.org/drawingml/2006/main" xmlns:r="http://schemas.openxmlformats.org/officeDocument/2006/relationships" xmlns:mc="http://schemas.openxmlformats.org/markup-compatibility/2006" xmlns:mv="urn:schemas-microsoft-com:mac:vml" xmlns:p="http://schemas.openxmlformats.org/presentationml/2006/main" xmlns:c="http://schemas.openxmlformats.org/drawingml/2006/chart" xmlns:dgm="http://schemas.openxmlformats.org/drawingml/2006/diagram" xmlns:o="urn:schemas-microsoft-com:office:office" xmlns:v="urn:schemas-microsoft-com:vml" xmlns:pvml="urn:schemas-microsoft-com:office:powerpoint" xmlns:com="http://schemas.openxmlformats.org/drawingml/2006/compatibility" xmlns:p14="http://schemas.microsoft.com/office/powerpoint/2010/main">
   <p:cSld>
     <p:spTree>
       <p:nvGrpSpPr>
-        <p:cNvPr id="147" name="Shape 147"/>
+        <p:cNvPr id="159" name="Shape 159"/>
         <p:cNvGrpSpPr/>
         <p:nvPr/>
       </p:nvGrpSpPr>
@@ -8765,7 +9170,7 @@
       </p:grpSpPr>
       <p:sp>
         <p:nvSpPr>
-          <p:cNvPr id="148" name="Shape 148"/>
+          <p:cNvPr id="160" name="Shape 160"/>
           <p:cNvSpPr txBox="1"/>
           <p:nvPr>
             <p:ph idx="1" type="body"/>
@@ -9045,7 +9450,7 @@
       </p:sp>
       <p:sp>
         <p:nvSpPr>
-          <p:cNvPr id="149" name="Shape 149"/>
+          <p:cNvPr id="161" name="Shape 161"/>
           <p:cNvSpPr txBox="1"/>
           <p:nvPr/>
         </p:nvSpPr>
@@ -9101,12 +9506,12 @@
 </p:sld>
 </file>
 
-<file path=ppt/slides/slide12.xml><?xml version="1.0" encoding="utf-8"?>
+<file path=ppt/slides/slide14.xml><?xml version="1.0" encoding="utf-8"?>
 <p:sld xmlns:a="http://schemas.openxmlformats.org/drawingml/2006/main" xmlns:r="http://schemas.openxmlformats.org/officeDocument/2006/relationships" xmlns:mc="http://schemas.openxmlformats.org/markup-compatibility/2006" xmlns:mv="urn:schemas-microsoft-com:mac:vml" xmlns:p="http://schemas.openxmlformats.org/presentationml/2006/main" xmlns:c="http://schemas.openxmlformats.org/drawingml/2006/chart" xmlns:dgm="http://schemas.openxmlformats.org/drawingml/2006/diagram" xmlns:o="urn:schemas-microsoft-com:office:office" xmlns:v="urn:schemas-microsoft-com:vml" xmlns:pvml="urn:schemas-microsoft-com:office:powerpoint" xmlns:com="http://schemas.openxmlformats.org/drawingml/2006/compatibility" xmlns:p14="http://schemas.microsoft.com/office/powerpoint/2010/main">
   <p:cSld>
     <p:spTree>
       <p:nvGrpSpPr>
-        <p:cNvPr id="153" name="Shape 153"/>
+        <p:cNvPr id="165" name="Shape 165"/>
         <p:cNvGrpSpPr/>
         <p:nvPr/>
       </p:nvGrpSpPr>
@@ -9120,7 +9525,7 @@
       </p:grpSpPr>
       <p:sp>
         <p:nvSpPr>
-          <p:cNvPr id="154" name="Shape 154"/>
+          <p:cNvPr id="166" name="Shape 166"/>
           <p:cNvSpPr txBox="1"/>
           <p:nvPr>
             <p:ph idx="1" type="body"/>
@@ -9381,12 +9786,12 @@
 </p:sld>
 </file>
 
-<file path=ppt/slides/slide13.xml><?xml version="1.0" encoding="utf-8"?>
+<file path=ppt/slides/slide15.xml><?xml version="1.0" encoding="utf-8"?>
 <p:sld xmlns:a="http://schemas.openxmlformats.org/drawingml/2006/main" xmlns:r="http://schemas.openxmlformats.org/officeDocument/2006/relationships" xmlns:mc="http://schemas.openxmlformats.org/markup-compatibility/2006" xmlns:mv="urn:schemas-microsoft-com:mac:vml" xmlns:p="http://schemas.openxmlformats.org/presentationml/2006/main" xmlns:c="http://schemas.openxmlformats.org/drawingml/2006/chart" xmlns:dgm="http://schemas.openxmlformats.org/drawingml/2006/diagram" xmlns:o="urn:schemas-microsoft-com:office:office" xmlns:v="urn:schemas-microsoft-com:vml" xmlns:pvml="urn:schemas-microsoft-com:office:powerpoint" xmlns:com="http://schemas.openxmlformats.org/drawingml/2006/compatibility" xmlns:p14="http://schemas.microsoft.com/office/powerpoint/2010/main">
   <p:cSld>
     <p:spTree>
       <p:nvGrpSpPr>
-        <p:cNvPr id="158" name="Shape 158"/>
+        <p:cNvPr id="170" name="Shape 170"/>
         <p:cNvGrpSpPr/>
         <p:nvPr/>
       </p:nvGrpSpPr>
@@ -9400,7 +9805,7 @@
       </p:grpSpPr>
       <p:sp>
         <p:nvSpPr>
-          <p:cNvPr id="159" name="Shape 159"/>
+          <p:cNvPr id="171" name="Shape 171"/>
           <p:cNvSpPr txBox="1"/>
           <p:nvPr>
             <p:ph idx="1" type="body"/>
@@ -12226,13 +12631,13 @@
           <a:blip r:embed="rId3">
             <a:alphaModFix/>
           </a:blip>
-          <a:srcRect t="0" b="0" r="0" l="0"/>
+          <a:srcRect t="0" b="45190" r="0" l="0"/>
           <a:stretch/>
         </p:blipFill>
         <p:spPr>
           <a:xfrm>
-            <a:off y="405283" x="1270683"/>
-            <a:ext cy="5901040" cx="8903047"/>
+            <a:off y="230650" x="304800"/>
+            <a:ext cy="6349525" cx="11381001"/>
           </a:xfrm>
           <a:prstGeom prst="rect">
             <a:avLst/>
@@ -12255,283 +12660,6 @@
 </file>
 
 <file path=ppt/theme/theme1.xml><?xml version="1.0" encoding="utf-8"?>
-<a:theme xmlns:a="http://schemas.openxmlformats.org/drawingml/2006/main" xmlns:r="http://schemas.openxmlformats.org/officeDocument/2006/relationships" name="Custom Theme">
-  <a:themeElements>
-    <a:clrScheme name="Default">
-      <a:dk1>
-        <a:srgbClr val="000000"/>
-      </a:dk1>
-      <a:lt1>
-        <a:srgbClr val="FFFFFF"/>
-      </a:lt1>
-      <a:dk2>
-        <a:srgbClr val="158158"/>
-      </a:dk2>
-      <a:lt2>
-        <a:srgbClr val="F3F3F3"/>
-      </a:lt2>
-      <a:accent1>
-        <a:srgbClr val="058DC7"/>
-      </a:accent1>
-      <a:accent2>
-        <a:srgbClr val="50B432"/>
-      </a:accent2>
-      <a:accent3>
-        <a:srgbClr val="ED561B"/>
-      </a:accent3>
-      <a:accent4>
-        <a:srgbClr val="EDEF00"/>
-      </a:accent4>
-      <a:accent5>
-        <a:srgbClr val="24CBE5"/>
-      </a:accent5>
-      <a:accent6>
-        <a:srgbClr val="64E572"/>
-      </a:accent6>
-      <a:hlink>
-        <a:srgbClr val="2200CC"/>
-      </a:hlink>
-      <a:folHlink>
-        <a:srgbClr val="551A8B"/>
-      </a:folHlink>
-    </a:clrScheme>
-    <a:fontScheme name="Office">
-      <a:majorFont>
-        <a:latin typeface="Arial"/>
-        <a:ea typeface=""/>
-        <a:cs typeface=""/>
-        <a:font typeface="ＭＳ Ｐゴシック" script="Jpan"/>
-        <a:font typeface="맑은 고딕" script="Hang"/>
-        <a:font typeface="宋体" script="Hans"/>
-        <a:font typeface="新細明體" script="Hant"/>
-        <a:font typeface="Times New Roman" script="Arab"/>
-        <a:font typeface="Times New Roman" script="Hebr"/>
-        <a:font typeface="Angsana New" script="Thai"/>
-        <a:font typeface="Nyala" script="Ethi"/>
-        <a:font typeface="Vrinda" script="Beng"/>
-        <a:font typeface="Shruti" script="Gujr"/>
-        <a:font typeface="MoolBoran" script="Khmr"/>
-        <a:font typeface="Tunga" script="Knda"/>
-        <a:font typeface="Raavi" script="Guru"/>
-        <a:font typeface="Euphemia" script="Cans"/>
-        <a:font typeface="Plantagenet Cherokee" script="Cher"/>
-        <a:font typeface="Microsoft Yi Baiti" script="Yiii"/>
-        <a:font typeface="Microsoft Himalaya" script="Tibt"/>
-        <a:font typeface="MV Boli" script="Thaa"/>
-        <a:font typeface="Mangal" script="Deva"/>
-        <a:font typeface="Gautami" script="Telu"/>
-        <a:font typeface="Latha" script="Taml"/>
-        <a:font typeface="Estrangelo Edessa" script="Syrc"/>
-        <a:font typeface="Kalinga" script="Orya"/>
-        <a:font typeface="Kartika" script="Mlym"/>
-        <a:font typeface="DokChampa" script="Laoo"/>
-        <a:font typeface="Iskoola Pota" script="Sinh"/>
-        <a:font typeface="Mongolian Baiti" script="Mong"/>
-        <a:font typeface="Times New Roman" script="Viet"/>
-        <a:font typeface="Microsoft Uighur" script="Uigh"/>
-      </a:majorFont>
-      <a:minorFont>
-        <a:latin typeface="Arial"/>
-        <a:ea typeface=""/>
-        <a:cs typeface=""/>
-        <a:font typeface="ＭＳ Ｐゴシック" script="Jpan"/>
-        <a:font typeface="맑은 고딕" script="Hang"/>
-        <a:font typeface="宋体" script="Hans"/>
-        <a:font typeface="新細明體" script="Hant"/>
-        <a:font typeface="Times New Roman" script="Arab"/>
-        <a:font typeface="Times New Roman" script="Hebr"/>
-        <a:font typeface="Angsana New" script="Thai"/>
-        <a:font typeface="Nyala" script="Ethi"/>
-        <a:font typeface="Vrinda" script="Beng"/>
-        <a:font typeface="Shruti" script="Gujr"/>
-        <a:font typeface="MoolBoran" script="Khmr"/>
-        <a:font typeface="Tunga" script="Knda"/>
-        <a:font typeface="Raavi" script="Guru"/>
-        <a:font typeface="Euphemia" script="Cans"/>
-        <a:font typeface="Plantagenet Cherokee" script="Cher"/>
-        <a:font typeface="Microsoft Yi Baiti" script="Yiii"/>
-        <a:font typeface="Microsoft Himalaya" script="Tibt"/>
-        <a:font typeface="MV Boli" script="Thaa"/>
-        <a:font typeface="Mangal" script="Deva"/>
-        <a:font typeface="Gautami" script="Telu"/>
-        <a:font typeface="Latha" script="Taml"/>
-        <a:font typeface="Estrangelo Edessa" script="Syrc"/>
-        <a:font typeface="Kalinga" script="Orya"/>
-        <a:font typeface="Kartika" script="Mlym"/>
-        <a:font typeface="DokChampa" script="Laoo"/>
-        <a:font typeface="Iskoola Pota" script="Sinh"/>
-        <a:font typeface="Mongolian Baiti" script="Mong"/>
-        <a:font typeface="Times New Roman" script="Viet"/>
-        <a:font typeface="Microsoft Uighur" script="Uigh"/>
-      </a:minorFont>
-    </a:fontScheme>
-    <a:fmtScheme name="Office">
-      <a:fillStyleLst>
-        <a:solidFill>
-          <a:schemeClr val="phClr"/>
-        </a:solidFill>
-        <a:gradFill rotWithShape="1">
-          <a:gsLst>
-            <a:gs pos="0">
-              <a:schemeClr val="phClr">
-                <a:tint val="50000"/>
-                <a:satMod val="300000"/>
-              </a:schemeClr>
-            </a:gs>
-            <a:gs pos="35000">
-              <a:schemeClr val="phClr">
-                <a:tint val="37000"/>
-                <a:satMod val="300000"/>
-              </a:schemeClr>
-            </a:gs>
-            <a:gs pos="100000">
-              <a:schemeClr val="phClr">
-                <a:tint val="15000"/>
-                <a:satMod val="350000"/>
-              </a:schemeClr>
-            </a:gs>
-          </a:gsLst>
-          <a:lin ang="16200000" scaled="1"/>
-        </a:gradFill>
-        <a:gradFill rotWithShape="1">
-          <a:gsLst>
-            <a:gs pos="0">
-              <a:schemeClr val="phClr">
-                <a:tint val="100000"/>
-                <a:shade val="100000"/>
-                <a:satMod val="130000"/>
-              </a:schemeClr>
-            </a:gs>
-            <a:gs pos="100000">
-              <a:schemeClr val="phClr">
-                <a:tint val="50000"/>
-                <a:shade val="100000"/>
-                <a:satMod val="350000"/>
-              </a:schemeClr>
-            </a:gs>
-          </a:gsLst>
-          <a:lin ang="16200000" scaled="0"/>
-        </a:gradFill>
-      </a:fillStyleLst>
-      <a:lnStyleLst>
-        <a:ln w="9525" algn="ctr" cap="flat" cmpd="sng">
-          <a:solidFill>
-            <a:schemeClr val="phClr">
-              <a:shade val="95000"/>
-              <a:satMod val="105000"/>
-            </a:schemeClr>
-          </a:solidFill>
-          <a:prstDash val="solid"/>
-        </a:ln>
-        <a:ln w="25400" algn="ctr" cap="flat" cmpd="sng">
-          <a:solidFill>
-            <a:schemeClr val="phClr"/>
-          </a:solidFill>
-          <a:prstDash val="solid"/>
-        </a:ln>
-        <a:ln w="38100" algn="ctr" cap="flat" cmpd="sng">
-          <a:solidFill>
-            <a:schemeClr val="phClr"/>
-          </a:solidFill>
-          <a:prstDash val="solid"/>
-        </a:ln>
-      </a:lnStyleLst>
-      <a:effectStyleLst>
-        <a:effectStyle>
-          <a:effectLst>
-            <a:outerShdw rotWithShape="0" dir="5400000" blurRad="40000" dist="20000">
-              <a:srgbClr val="000000">
-                <a:alpha val="38000"/>
-              </a:srgbClr>
-            </a:outerShdw>
-          </a:effectLst>
-        </a:effectStyle>
-        <a:effectStyle>
-          <a:effectLst>
-            <a:outerShdw rotWithShape="0" dir="5400000" blurRad="40000" dist="23000">
-              <a:srgbClr val="000000">
-                <a:alpha val="35000"/>
-              </a:srgbClr>
-            </a:outerShdw>
-          </a:effectLst>
-        </a:effectStyle>
-        <a:effectStyle>
-          <a:effectLst>
-            <a:outerShdw rotWithShape="0" dir="5400000" blurRad="40000" dist="23000">
-              <a:srgbClr val="000000">
-                <a:alpha val="35000"/>
-              </a:srgbClr>
-            </a:outerShdw>
-          </a:effectLst>
-          <a:scene3d>
-            <a:camera prst="orthographicFront">
-              <a:rot rev="0" lon="0" lat="0"/>
-            </a:camera>
-            <a:lightRig dir="t" rig="threePt">
-              <a:rot rev="1200000" lon="0" lat="0"/>
-            </a:lightRig>
-          </a:scene3d>
-          <a:sp3d>
-            <a:bevelT w="63500" h="25400"/>
-          </a:sp3d>
-        </a:effectStyle>
-      </a:effectStyleLst>
-      <a:bgFillStyleLst>
-        <a:solidFill>
-          <a:schemeClr val="phClr"/>
-        </a:solidFill>
-        <a:gradFill rotWithShape="1">
-          <a:gsLst>
-            <a:gs pos="0">
-              <a:schemeClr val="phClr">
-                <a:tint val="40000"/>
-                <a:satMod val="350000"/>
-              </a:schemeClr>
-            </a:gs>
-            <a:gs pos="40000">
-              <a:schemeClr val="phClr">
-                <a:tint val="45000"/>
-                <a:shade val="99000"/>
-                <a:satMod val="350000"/>
-              </a:schemeClr>
-            </a:gs>
-            <a:gs pos="100000">
-              <a:schemeClr val="phClr">
-                <a:shade val="20000"/>
-                <a:satMod val="255000"/>
-              </a:schemeClr>
-            </a:gs>
-          </a:gsLst>
-          <a:path path="circle">
-            <a:fillToRect t="-80000" b="180000" r="50000" l="50000"/>
-          </a:path>
-        </a:gradFill>
-        <a:gradFill rotWithShape="1">
-          <a:gsLst>
-            <a:gs pos="0">
-              <a:schemeClr val="phClr">
-                <a:tint val="80000"/>
-                <a:satMod val="300000"/>
-              </a:schemeClr>
-            </a:gs>
-            <a:gs pos="100000">
-              <a:schemeClr val="phClr">
-                <a:shade val="30000"/>
-                <a:satMod val="200000"/>
-              </a:schemeClr>
-            </a:gs>
-          </a:gsLst>
-          <a:path path="circle">
-            <a:fillToRect t="50000" b="50000" r="50000" l="50000"/>
-          </a:path>
-        </a:gradFill>
-      </a:bgFillStyleLst>
-    </a:fmtScheme>
-  </a:themeElements>
-</a:theme>
-</file>
-
-<file path=ppt/theme/theme2.xml><?xml version="1.0" encoding="utf-8"?>
 <a:theme xmlns:a="http://schemas.openxmlformats.org/drawingml/2006/main" xmlns:r="http://schemas.openxmlformats.org/officeDocument/2006/relationships" name="Office Theme">
   <a:themeElements>
     <a:clrScheme name="Office">
@@ -12848,7 +12976,7 @@
 </a:theme>
 </file>
 
-<file path=ppt/theme/theme3.xml><?xml version="1.0" encoding="utf-8"?>
+<file path=ppt/theme/theme2.xml><?xml version="1.0" encoding="utf-8"?>
 <a:theme xmlns:a="http://schemas.openxmlformats.org/drawingml/2006/main" xmlns:r="http://schemas.openxmlformats.org/officeDocument/2006/relationships" name="Office Theme">
   <a:themeElements>
     <a:clrScheme name="Office">
@@ -13123,4 +13251,281 @@
     </a:fmtScheme>
   </a:themeElements>
 </a:theme>
+</file>
+
+<file path=ppt/theme/theme3.xml><?xml version="1.0" encoding="utf-8"?>
+<a:theme xmlns:a="http://schemas.openxmlformats.org/drawingml/2006/main" xmlns:r="http://schemas.openxmlformats.org/officeDocument/2006/relationships" name="Custom Theme">
+  <a:themeElements>
+    <a:clrScheme name="Default">
+      <a:dk1>
+        <a:srgbClr val="000000"/>
+      </a:dk1>
+      <a:lt1>
+        <a:srgbClr val="FFFFFF"/>
+      </a:lt1>
+      <a:dk2>
+        <a:srgbClr val="158158"/>
+      </a:dk2>
+      <a:lt2>
+        <a:srgbClr val="F3F3F3"/>
+      </a:lt2>
+      <a:accent1>
+        <a:srgbClr val="058DC7"/>
+      </a:accent1>
+      <a:accent2>
+        <a:srgbClr val="50B432"/>
+      </a:accent2>
+      <a:accent3>
+        <a:srgbClr val="ED561B"/>
+      </a:accent3>
+      <a:accent4>
+        <a:srgbClr val="EDEF00"/>
+      </a:accent4>
+      <a:accent5>
+        <a:srgbClr val="24CBE5"/>
+      </a:accent5>
+      <a:accent6>
+        <a:srgbClr val="64E572"/>
+      </a:accent6>
+      <a:hlink>
+        <a:srgbClr val="2200CC"/>
+      </a:hlink>
+      <a:folHlink>
+        <a:srgbClr val="551A8B"/>
+      </a:folHlink>
+    </a:clrScheme>
+    <a:fontScheme name="Office">
+      <a:majorFont>
+        <a:latin typeface="Arial"/>
+        <a:ea typeface=""/>
+        <a:cs typeface=""/>
+        <a:font typeface="ＭＳ Ｐゴシック" script="Jpan"/>
+        <a:font typeface="맑은 고딕" script="Hang"/>
+        <a:font typeface="宋体" script="Hans"/>
+        <a:font typeface="新細明體" script="Hant"/>
+        <a:font typeface="Times New Roman" script="Arab"/>
+        <a:font typeface="Times New Roman" script="Hebr"/>
+        <a:font typeface="Angsana New" script="Thai"/>
+        <a:font typeface="Nyala" script="Ethi"/>
+        <a:font typeface="Vrinda" script="Beng"/>
+        <a:font typeface="Shruti" script="Gujr"/>
+        <a:font typeface="MoolBoran" script="Khmr"/>
+        <a:font typeface="Tunga" script="Knda"/>
+        <a:font typeface="Raavi" script="Guru"/>
+        <a:font typeface="Euphemia" script="Cans"/>
+        <a:font typeface="Plantagenet Cherokee" script="Cher"/>
+        <a:font typeface="Microsoft Yi Baiti" script="Yiii"/>
+        <a:font typeface="Microsoft Himalaya" script="Tibt"/>
+        <a:font typeface="MV Boli" script="Thaa"/>
+        <a:font typeface="Mangal" script="Deva"/>
+        <a:font typeface="Gautami" script="Telu"/>
+        <a:font typeface="Latha" script="Taml"/>
+        <a:font typeface="Estrangelo Edessa" script="Syrc"/>
+        <a:font typeface="Kalinga" script="Orya"/>
+        <a:font typeface="Kartika" script="Mlym"/>
+        <a:font typeface="DokChampa" script="Laoo"/>
+        <a:font typeface="Iskoola Pota" script="Sinh"/>
+        <a:font typeface="Mongolian Baiti" script="Mong"/>
+        <a:font typeface="Times New Roman" script="Viet"/>
+        <a:font typeface="Microsoft Uighur" script="Uigh"/>
+      </a:majorFont>
+      <a:minorFont>
+        <a:latin typeface="Arial"/>
+        <a:ea typeface=""/>
+        <a:cs typeface=""/>
+        <a:font typeface="ＭＳ Ｐゴシック" script="Jpan"/>
+        <a:font typeface="맑은 고딕" script="Hang"/>
+        <a:font typeface="宋体" script="Hans"/>
+        <a:font typeface="新細明體" script="Hant"/>
+        <a:font typeface="Times New Roman" script="Arab"/>
+        <a:font typeface="Times New Roman" script="Hebr"/>
+        <a:font typeface="Angsana New" script="Thai"/>
+        <a:font typeface="Nyala" script="Ethi"/>
+        <a:font typeface="Vrinda" script="Beng"/>
+        <a:font typeface="Shruti" script="Gujr"/>
+        <a:font typeface="MoolBoran" script="Khmr"/>
+        <a:font typeface="Tunga" script="Knda"/>
+        <a:font typeface="Raavi" script="Guru"/>
+        <a:font typeface="Euphemia" script="Cans"/>
+        <a:font typeface="Plantagenet Cherokee" script="Cher"/>
+        <a:font typeface="Microsoft Yi Baiti" script="Yiii"/>
+        <a:font typeface="Microsoft Himalaya" script="Tibt"/>
+        <a:font typeface="MV Boli" script="Thaa"/>
+        <a:font typeface="Mangal" script="Deva"/>
+        <a:font typeface="Gautami" script="Telu"/>
+        <a:font typeface="Latha" script="Taml"/>
+        <a:font typeface="Estrangelo Edessa" script="Syrc"/>
+        <a:font typeface="Kalinga" script="Orya"/>
+        <a:font typeface="Kartika" script="Mlym"/>
+        <a:font typeface="DokChampa" script="Laoo"/>
+        <a:font typeface="Iskoola Pota" script="Sinh"/>
+        <a:font typeface="Mongolian Baiti" script="Mong"/>
+        <a:font typeface="Times New Roman" script="Viet"/>
+        <a:font typeface="Microsoft Uighur" script="Uigh"/>
+      </a:minorFont>
+    </a:fontScheme>
+    <a:fmtScheme name="Office">
+      <a:fillStyleLst>
+        <a:solidFill>
+          <a:schemeClr val="phClr"/>
+        </a:solidFill>
+        <a:gradFill rotWithShape="1">
+          <a:gsLst>
+            <a:gs pos="0">
+              <a:schemeClr val="phClr">
+                <a:tint val="50000"/>
+                <a:satMod val="300000"/>
+              </a:schemeClr>
+            </a:gs>
+            <a:gs pos="35000">
+              <a:schemeClr val="phClr">
+                <a:tint val="37000"/>
+                <a:satMod val="300000"/>
+              </a:schemeClr>
+            </a:gs>
+            <a:gs pos="100000">
+              <a:schemeClr val="phClr">
+                <a:tint val="15000"/>
+                <a:satMod val="350000"/>
+              </a:schemeClr>
+            </a:gs>
+          </a:gsLst>
+          <a:lin ang="16200000" scaled="1"/>
+        </a:gradFill>
+        <a:gradFill rotWithShape="1">
+          <a:gsLst>
+            <a:gs pos="0">
+              <a:schemeClr val="phClr">
+                <a:tint val="100000"/>
+                <a:shade val="100000"/>
+                <a:satMod val="130000"/>
+              </a:schemeClr>
+            </a:gs>
+            <a:gs pos="100000">
+              <a:schemeClr val="phClr">
+                <a:tint val="50000"/>
+                <a:shade val="100000"/>
+                <a:satMod val="350000"/>
+              </a:schemeClr>
+            </a:gs>
+          </a:gsLst>
+          <a:lin ang="16200000" scaled="0"/>
+        </a:gradFill>
+      </a:fillStyleLst>
+      <a:lnStyleLst>
+        <a:ln w="9525" algn="ctr" cap="flat" cmpd="sng">
+          <a:solidFill>
+            <a:schemeClr val="phClr">
+              <a:shade val="95000"/>
+              <a:satMod val="105000"/>
+            </a:schemeClr>
+          </a:solidFill>
+          <a:prstDash val="solid"/>
+        </a:ln>
+        <a:ln w="25400" algn="ctr" cap="flat" cmpd="sng">
+          <a:solidFill>
+            <a:schemeClr val="phClr"/>
+          </a:solidFill>
+          <a:prstDash val="solid"/>
+        </a:ln>
+        <a:ln w="38100" algn="ctr" cap="flat" cmpd="sng">
+          <a:solidFill>
+            <a:schemeClr val="phClr"/>
+          </a:solidFill>
+          <a:prstDash val="solid"/>
+        </a:ln>
+      </a:lnStyleLst>
+      <a:effectStyleLst>
+        <a:effectStyle>
+          <a:effectLst>
+            <a:outerShdw rotWithShape="0" dir="5400000" blurRad="40000" dist="20000">
+              <a:srgbClr val="000000">
+                <a:alpha val="38000"/>
+              </a:srgbClr>
+            </a:outerShdw>
+          </a:effectLst>
+        </a:effectStyle>
+        <a:effectStyle>
+          <a:effectLst>
+            <a:outerShdw rotWithShape="0" dir="5400000" blurRad="40000" dist="23000">
+              <a:srgbClr val="000000">
+                <a:alpha val="35000"/>
+              </a:srgbClr>
+            </a:outerShdw>
+          </a:effectLst>
+        </a:effectStyle>
+        <a:effectStyle>
+          <a:effectLst>
+            <a:outerShdw rotWithShape="0" dir="5400000" blurRad="40000" dist="23000">
+              <a:srgbClr val="000000">
+                <a:alpha val="35000"/>
+              </a:srgbClr>
+            </a:outerShdw>
+          </a:effectLst>
+          <a:scene3d>
+            <a:camera prst="orthographicFront">
+              <a:rot rev="0" lon="0" lat="0"/>
+            </a:camera>
+            <a:lightRig dir="t" rig="threePt">
+              <a:rot rev="1200000" lon="0" lat="0"/>
+            </a:lightRig>
+          </a:scene3d>
+          <a:sp3d>
+            <a:bevelT w="63500" h="25400"/>
+          </a:sp3d>
+        </a:effectStyle>
+      </a:effectStyleLst>
+      <a:bgFillStyleLst>
+        <a:solidFill>
+          <a:schemeClr val="phClr"/>
+        </a:solidFill>
+        <a:gradFill rotWithShape="1">
+          <a:gsLst>
+            <a:gs pos="0">
+              <a:schemeClr val="phClr">
+                <a:tint val="40000"/>
+                <a:satMod val="350000"/>
+              </a:schemeClr>
+            </a:gs>
+            <a:gs pos="40000">
+              <a:schemeClr val="phClr">
+                <a:tint val="45000"/>
+                <a:shade val="99000"/>
+                <a:satMod val="350000"/>
+              </a:schemeClr>
+            </a:gs>
+            <a:gs pos="100000">
+              <a:schemeClr val="phClr">
+                <a:shade val="20000"/>
+                <a:satMod val="255000"/>
+              </a:schemeClr>
+            </a:gs>
+          </a:gsLst>
+          <a:path path="circle">
+            <a:fillToRect t="-80000" b="180000" r="50000" l="50000"/>
+          </a:path>
+        </a:gradFill>
+        <a:gradFill rotWithShape="1">
+          <a:gsLst>
+            <a:gs pos="0">
+              <a:schemeClr val="phClr">
+                <a:tint val="80000"/>
+                <a:satMod val="300000"/>
+              </a:schemeClr>
+            </a:gs>
+            <a:gs pos="100000">
+              <a:schemeClr val="phClr">
+                <a:shade val="30000"/>
+                <a:satMod val="200000"/>
+              </a:schemeClr>
+            </a:gs>
+          </a:gsLst>
+          <a:path path="circle">
+            <a:fillToRect t="50000" b="50000" r="50000" l="50000"/>
+          </a:path>
+        </a:gradFill>
+      </a:bgFillStyleLst>
+    </a:fmtScheme>
+  </a:themeElements>
+</a:theme>
 </file>